--- a/Presentation/Strategy_Pitch (2).pptx
+++ b/Presentation/Strategy_Pitch (2).pptx
@@ -5,10 +5,10 @@
     <p:sldMasterId id="2147483744" r:id="rId1"/>
   </p:sldMasterIdLst>
   <p:notesMasterIdLst>
-    <p:notesMasterId r:id="rId11"/>
+    <p:notesMasterId r:id="rId14"/>
   </p:notesMasterIdLst>
   <p:handoutMasterIdLst>
-    <p:handoutMasterId r:id="rId12"/>
+    <p:handoutMasterId r:id="rId15"/>
   </p:handoutMasterIdLst>
   <p:sldIdLst>
     <p:sldId id="256" r:id="rId2"/>
@@ -19,7 +19,10 @@
     <p:sldId id="292" r:id="rId7"/>
     <p:sldId id="293" r:id="rId8"/>
     <p:sldId id="294" r:id="rId9"/>
-    <p:sldId id="295" r:id="rId10"/>
+    <p:sldId id="298" r:id="rId10"/>
+    <p:sldId id="295" r:id="rId11"/>
+    <p:sldId id="296" r:id="rId12"/>
+    <p:sldId id="297" r:id="rId13"/>
   </p:sldIdLst>
   <p:sldSz cx="12192000" cy="6858000"/>
   <p:notesSz cx="6858000" cy="9144000"/>
@@ -2523,11 +2526,11 @@
   <cdr:relSizeAnchor xmlns:cdr="http://schemas.openxmlformats.org/drawingml/2006/chartDrawing">
     <cdr:from>
       <cdr:x>0.85078</cdr:x>
-      <cdr:y>0.26288</cdr:y>
+      <cdr:y>0.26013</cdr:y>
     </cdr:from>
     <cdr:to>
       <cdr:x>1</cdr:x>
-      <cdr:y>0.41977</cdr:y>
+      <cdr:y>0.41702</cdr:y>
     </cdr:to>
     <cdr:sp macro="" textlink="">
       <cdr:nvSpPr>
@@ -2542,8 +2545,8 @@
       </cdr:nvSpPr>
       <cdr:spPr>
         <a:xfrm xmlns:a="http://schemas.openxmlformats.org/drawingml/2006/main">
-          <a:off x="7770383" y="1514148"/>
-          <a:ext cx="1362859" cy="903642"/>
+          <a:off x="7770380" y="1498320"/>
+          <a:ext cx="1362862" cy="903658"/>
         </a:xfrm>
         <a:prstGeom xmlns:a="http://schemas.openxmlformats.org/drawingml/2006/main" prst="rect">
           <a:avLst/>
@@ -2555,71 +2558,23 @@
         <a:p xmlns:a="http://schemas.openxmlformats.org/drawingml/2006/main">
           <a:r>
             <a:rPr lang="de-DE" sz="1200" b="1" dirty="0">
+              <a:solidFill>
+                <a:srgbClr val="F5F5F5"/>
+              </a:solidFill>
+              <a:highlight>
+                <a:srgbClr val="000000"/>
+              </a:highlight>
               <a:latin typeface="Aptos" panose="020B0004020202020204" pitchFamily="34" charset="0"/>
             </a:rPr>
-            <a:t>25% </a:t>
-          </a:r>
-          <a:r>
-            <a:rPr lang="de-DE" sz="1200" b="1" dirty="0" err="1">
-              <a:latin typeface="Aptos" panose="020B0004020202020204" pitchFamily="34" charset="0"/>
-            </a:rPr>
-            <a:t>allocated</a:t>
-          </a:r>
-          <a:r>
-            <a:rPr lang="de-DE" sz="1200" b="1" dirty="0">
-              <a:latin typeface="Aptos" panose="020B0004020202020204" pitchFamily="34" charset="0"/>
-            </a:rPr>
-            <a:t> </a:t>
-          </a:r>
-          <a:r>
-            <a:rPr lang="de-DE" sz="1200" b="1" dirty="0" err="1">
-              <a:latin typeface="Aptos" panose="020B0004020202020204" pitchFamily="34" charset="0"/>
-            </a:rPr>
-            <a:t>to</a:t>
-          </a:r>
-          <a:r>
-            <a:rPr lang="de-DE" sz="1200" b="1" dirty="0">
-              <a:latin typeface="Aptos" panose="020B0004020202020204" pitchFamily="34" charset="0"/>
-            </a:rPr>
-            <a:t> </a:t>
-          </a:r>
-          <a:r>
-            <a:rPr lang="de-DE" sz="1200" b="1" dirty="0" err="1">
-              <a:latin typeface="Aptos" panose="020B0004020202020204" pitchFamily="34" charset="0"/>
-            </a:rPr>
-            <a:t>the</a:t>
-          </a:r>
-          <a:r>
-            <a:rPr lang="de-DE" sz="1200" b="1" dirty="0">
-              <a:latin typeface="Aptos" panose="020B0004020202020204" pitchFamily="34" charset="0"/>
-            </a:rPr>
-            <a:t> </a:t>
-          </a:r>
-          <a:r>
-            <a:rPr lang="de-DE" sz="1200" b="1" dirty="0" err="1">
-              <a:latin typeface="Aptos" panose="020B0004020202020204" pitchFamily="34" charset="0"/>
-            </a:rPr>
-            <a:t>technology</a:t>
-          </a:r>
-          <a:r>
-            <a:rPr lang="de-DE" sz="1200" b="1" dirty="0">
-              <a:latin typeface="Aptos" panose="020B0004020202020204" pitchFamily="34" charset="0"/>
-            </a:rPr>
-            <a:t> </a:t>
-          </a:r>
-          <a:r>
-            <a:rPr lang="de-DE" sz="1200" b="1" dirty="0" err="1">
-              <a:latin typeface="Aptos" panose="020B0004020202020204" pitchFamily="34" charset="0"/>
-            </a:rPr>
-            <a:t>sector</a:t>
-          </a:r>
-          <a:r>
-            <a:rPr lang="de-DE" sz="1200" b="1" dirty="0">
-              <a:latin typeface="Aptos" panose="020B0004020202020204" pitchFamily="34" charset="0"/>
-            </a:rPr>
-            <a:t> and 5% per stock</a:t>
+            <a:t>5% per stock</a:t>
           </a:r>
           <a:endParaRPr lang="fr-FR" sz="1200" b="1" dirty="0">
+            <a:solidFill>
+              <a:srgbClr val="F5F5F5"/>
+            </a:solidFill>
+            <a:highlight>
+              <a:srgbClr val="000000"/>
+            </a:highlight>
             <a:latin typeface="Aptos" panose="020B0004020202020204" pitchFamily="34" charset="0"/>
           </a:endParaRPr>
         </a:p>
@@ -2725,7 +2680,7 @@
             <a:pPr rtl="0"/>
             <a:fld id="{D6FB0DE1-D418-4EA9-BDFD-2E5632763663}" type="datetime1">
               <a:rPr lang="fr-FR" smtClean="0"/>
-              <a:t>18/11/2025</a:t>
+              <a:t>19/11/2025</a:t>
             </a:fld>
             <a:endParaRPr lang="en-US"/>
           </a:p>
@@ -2907,7 +2862,7 @@
             <a:pPr rtl="0"/>
             <a:fld id="{190BD304-4DB2-4DA8-BE69-274C9984CC7A}" type="datetime1">
               <a:rPr lang="fr-FR" smtClean="0"/>
-              <a:t>18/11/2025</a:t>
+              <a:t>19/11/2025</a:t>
             </a:fld>
             <a:endParaRPr lang="en-US" dirty="0"/>
           </a:p>
@@ -3541,7 +3496,7 @@
             <a:pPr rtl="0"/>
             <a:fld id="{BE60DC36-8EFA-4378-9855-E019C55AC472}" type="slidenum">
               <a:rPr lang="en-US" smtClean="0"/>
-              <a:t>9</a:t>
+              <a:t>10</a:t>
             </a:fld>
             <a:endParaRPr lang="en-US" dirty="0"/>
           </a:p>
@@ -3801,7 +3756,7 @@
             <a:pPr rtl="0"/>
             <a:fld id="{78CE1DC9-D956-40C2-BAC4-4037E3AB19CC}" type="datetime1">
               <a:rPr lang="fr-FR" noProof="0" smtClean="0"/>
-              <a:t>18/11/2025</a:t>
+              <a:t>19/11/2025</a:t>
             </a:fld>
             <a:endParaRPr lang="fr-FR" noProof="0" dirty="0"/>
           </a:p>
@@ -4025,7 +3980,7 @@
             <a:pPr rtl="0"/>
             <a:fld id="{78CE1DC9-D956-40C2-BAC4-4037E3AB19CC}" type="datetime1">
               <a:rPr lang="fr-FR" noProof="0" smtClean="0"/>
-              <a:t>18/11/2025</a:t>
+              <a:t>19/11/2025</a:t>
             </a:fld>
             <a:endParaRPr lang="fr-FR" noProof="0" dirty="0"/>
           </a:p>
@@ -4297,7 +4252,7 @@
             <a:pPr rtl="0"/>
             <a:fld id="{78CE1DC9-D956-40C2-BAC4-4037E3AB19CC}" type="datetime1">
               <a:rPr lang="fr-FR" noProof="0" smtClean="0"/>
-              <a:t>18/11/2025</a:t>
+              <a:t>19/11/2025</a:t>
             </a:fld>
             <a:endParaRPr lang="fr-FR" noProof="0" dirty="0"/>
           </a:p>
@@ -4502,14 +4457,6 @@
 <file path=ppt/slideLayouts/slideLayout3.xml><?xml version="1.0" encoding="utf-8"?>
 <p:sldLayout xmlns:a="http://schemas.openxmlformats.org/drawingml/2006/main" xmlns:r="http://schemas.openxmlformats.org/officeDocument/2006/relationships" xmlns:p="http://schemas.openxmlformats.org/presentationml/2006/main" showMasterSp="0" type="secHead" preserve="1">
   <p:cSld name="Section Header">
-    <p:bg>
-      <p:bgPr>
-        <a:solidFill>
-          <a:schemeClr val="bg1"/>
-        </a:solidFill>
-        <a:effectLst/>
-      </p:bgPr>
-    </p:bg>
     <p:spTree>
       <p:nvGrpSpPr>
         <p:cNvPr id="1" name=""/>
@@ -4782,7 +4729,7 @@
             <a:pPr rtl="0"/>
             <a:fld id="{78CE1DC9-D956-40C2-BAC4-4037E3AB19CC}" type="datetime1">
               <a:rPr lang="fr-FR" noProof="0" smtClean="0"/>
-              <a:t>18/11/2025</a:t>
+              <a:t>19/11/2025</a:t>
             </a:fld>
             <a:endParaRPr lang="fr-FR" noProof="0" dirty="0"/>
           </a:p>
@@ -5073,7 +5020,7 @@
             <a:pPr rtl="0"/>
             <a:fld id="{78CE1DC9-D956-40C2-BAC4-4037E3AB19CC}" type="datetime1">
               <a:rPr lang="fr-FR" noProof="0" smtClean="0"/>
-              <a:t>18/11/2025</a:t>
+              <a:t>19/11/2025</a:t>
             </a:fld>
             <a:endParaRPr lang="fr-FR" noProof="0" dirty="0"/>
           </a:p>
@@ -5468,7 +5415,7 @@
             <a:pPr rtl="0"/>
             <a:fld id="{78CE1DC9-D956-40C2-BAC4-4037E3AB19CC}" type="datetime1">
               <a:rPr lang="fr-FR" noProof="0" smtClean="0"/>
-              <a:t>18/11/2025</a:t>
+              <a:t>19/11/2025</a:t>
             </a:fld>
             <a:endParaRPr lang="fr-FR" noProof="0" dirty="0"/>
           </a:p>
@@ -5602,7 +5549,7 @@
             <a:pPr rtl="0"/>
             <a:fld id="{78CE1DC9-D956-40C2-BAC4-4037E3AB19CC}" type="datetime1">
               <a:rPr lang="fr-FR" noProof="0" smtClean="0"/>
-              <a:t>18/11/2025</a:t>
+              <a:t>19/11/2025</a:t>
             </a:fld>
             <a:endParaRPr lang="fr-FR" noProof="0" dirty="0"/>
           </a:p>
@@ -5713,7 +5660,7 @@
             <a:pPr rtl="0"/>
             <a:fld id="{78CE1DC9-D956-40C2-BAC4-4037E3AB19CC}" type="datetime1">
               <a:rPr lang="fr-FR" noProof="0" smtClean="0"/>
-              <a:t>18/11/2025</a:t>
+              <a:t>19/11/2025</a:t>
             </a:fld>
             <a:endParaRPr lang="fr-FR" noProof="0" dirty="0"/>
           </a:p>
@@ -6083,7 +6030,7 @@
             <a:pPr rtl="0"/>
             <a:fld id="{78CE1DC9-D956-40C2-BAC4-4037E3AB19CC}" type="datetime1">
               <a:rPr lang="fr-FR" noProof="0" smtClean="0"/>
-              <a:t>18/11/2025</a:t>
+              <a:t>19/11/2025</a:t>
             </a:fld>
             <a:endParaRPr lang="fr-FR" noProof="0" dirty="0"/>
           </a:p>
@@ -6481,7 +6428,7 @@
             <a:pPr rtl="0"/>
             <a:fld id="{78CE1DC9-D956-40C2-BAC4-4037E3AB19CC}" type="datetime1">
               <a:rPr lang="fr-FR" noProof="0" smtClean="0"/>
-              <a:t>18/11/2025</a:t>
+              <a:t>19/11/2025</a:t>
             </a:fld>
             <a:endParaRPr lang="fr-FR" noProof="0" dirty="0"/>
           </a:p>
@@ -6708,7 +6655,7 @@
             <a:pPr rtl="0"/>
             <a:fld id="{78CE1DC9-D956-40C2-BAC4-4037E3AB19CC}" type="datetime1">
               <a:rPr lang="fr-FR" noProof="0" smtClean="0"/>
-              <a:t>18/11/2025</a:t>
+              <a:t>19/11/2025</a:t>
             </a:fld>
             <a:endParaRPr lang="fr-FR" noProof="0" dirty="0"/>
           </a:p>
@@ -6835,7 +6782,7 @@
       </p:ext>
     </p:extLst>
   </p:cSld>
-  <p:clrMap bg1="lt1" tx1="dk1" bg2="lt2" tx2="dk2" accent1="accent1" accent2="accent2" accent3="accent3" accent4="accent4" accent5="accent5" accent6="accent6" hlink="hlink" folHlink="folHlink"/>
+  <p:clrMap bg1="dk1" tx1="lt1" bg2="dk2" tx2="lt2" accent1="accent1" accent2="accent2" accent3="accent3" accent4="accent4" accent5="accent5" accent6="accent6" hlink="hlink" folHlink="folHlink"/>
   <p:sldLayoutIdLst>
     <p:sldLayoutId id="2147483745" r:id="rId1"/>
     <p:sldLayoutId id="2147483746" r:id="rId2"/>
@@ -7294,8 +7241,8 @@
         </p:nvSpPr>
         <p:spPr>
           <a:xfrm>
-            <a:off x="3429448" y="977900"/>
-            <a:ext cx="5409304" cy="719492"/>
+            <a:off x="2417088" y="372934"/>
+            <a:ext cx="7357822" cy="1267398"/>
           </a:xfrm>
         </p:spPr>
         <p:txBody>
@@ -7304,17 +7251,17 @@
           </a:bodyPr>
           <a:lstStyle/>
           <a:p>
-            <a:pPr rtl="0"/>
+            <a:pPr algn="ctr" rtl="0"/>
             <a:r>
-              <a:rPr lang="en-US" sz="5400" dirty="0">
+              <a:rPr lang="en-US" sz="4800" b="1" dirty="0">
                 <a:effectLst/>
                 <a:latin typeface="Aptos" panose="020B0004020202020204" pitchFamily="34" charset="0"/>
                 <a:ea typeface="Aptos" panose="020B0004020202020204" pitchFamily="34" charset="0"/>
                 <a:cs typeface="Times New Roman" panose="02020603050405020304" pitchFamily="18" charset="0"/>
               </a:rPr>
-              <a:t>STRATEGY PITCH </a:t>
+              <a:t>Value-Quality-Momentum Strategy</a:t>
             </a:r>
-            <a:endParaRPr lang="fr-FR" sz="34400" dirty="0">
+            <a:endParaRPr lang="fr-FR" sz="28700" b="1" dirty="0">
               <a:solidFill>
                 <a:schemeClr val="accent4"/>
               </a:solidFill>
@@ -7322,41 +7269,6 @@
           </a:p>
         </p:txBody>
       </p:sp>
-      <p:pic>
-        <p:nvPicPr>
-          <p:cNvPr id="10" name="Image 9" descr="Cette image est une icône indiquant « 24 diapositives ».">
-            <a:hlinkClick r:id="rId3"/>
-            <a:extLst>
-              <a:ext uri="{FF2B5EF4-FFF2-40B4-BE49-F238E27FC236}">
-                <a16:creationId xmlns:a16="http://schemas.microsoft.com/office/drawing/2014/main" id="{D7D6377A-A12B-4809-B24A-008F2A7B6DE7}"/>
-              </a:ext>
-              <a:ext uri="{C183D7F6-B498-43B3-948B-1728B52AA6E4}">
-                <adec:decorative xmlns:adec="http://schemas.microsoft.com/office/drawing/2017/decorative" val="0"/>
-              </a:ext>
-            </a:extLst>
-          </p:cNvPr>
-          <p:cNvPicPr>
-            <a:picLocks noChangeAspect="1"/>
-          </p:cNvPicPr>
-          <p:nvPr/>
-        </p:nvPicPr>
-        <p:blipFill>
-          <a:blip r:embed="rId4"/>
-          <a:stretch>
-            <a:fillRect/>
-          </a:stretch>
-        </p:blipFill>
-        <p:spPr>
-          <a:xfrm>
-            <a:off x="5360332" y="5919419"/>
-            <a:ext cx="1471335" cy="420363"/>
-          </a:xfrm>
-          <a:prstGeom prst="rect">
-            <a:avLst/>
-          </a:prstGeom>
-          <a:effectLst/>
-        </p:spPr>
-      </p:pic>
       <p:sp>
         <p:nvSpPr>
           <p:cNvPr id="3" name="TextBox 2">
@@ -7371,8 +7283,8 @@
         </p:nvSpPr>
         <p:spPr>
           <a:xfrm>
-            <a:off x="7963122" y="6102705"/>
-            <a:ext cx="3851236" cy="276999"/>
+            <a:off x="6758609" y="5192154"/>
+            <a:ext cx="5241279" cy="830997"/>
           </a:xfrm>
           <a:prstGeom prst="rect">
             <a:avLst/>
@@ -7386,7 +7298,7 @@
           <a:lstStyle/>
           <a:p>
             <a:r>
-              <a:rPr lang="en-US" sz="1200" dirty="0">
+              <a:rPr lang="en-US" sz="2400" b="1" dirty="0">
                 <a:effectLst/>
                 <a:latin typeface="Aptos" panose="020B0004020202020204" pitchFamily="34" charset="0"/>
                 <a:ea typeface="Aptos" panose="020B0004020202020204" pitchFamily="34" charset="0"/>
@@ -7395,7 +7307,7 @@
               <a:t>Hedge Fund Club </a:t>
             </a:r>
             <a:r>
-              <a:rPr lang="fr-FR" sz="1200" dirty="0">
+              <a:rPr lang="fr-FR" sz="2400" b="1" dirty="0">
                 <a:effectLst/>
                 <a:latin typeface="Aptos" panose="020B0004020202020204" pitchFamily="34" charset="0"/>
                 <a:ea typeface="Aptos" panose="020B0004020202020204" pitchFamily="34" charset="0"/>
@@ -7404,11 +7316,15 @@
               <a:t>- </a:t>
             </a:r>
             <a:r>
-              <a:rPr lang="fr-FR" sz="1200" dirty="0" err="1"/>
+              <a:rPr lang="fr-FR" sz="2400" b="1" dirty="0" err="1">
+                <a:latin typeface="Aptos" panose="020B0004020202020204" pitchFamily="34" charset="0"/>
+              </a:rPr>
               <a:t>Universität</a:t>
             </a:r>
             <a:r>
-              <a:rPr lang="fr-FR" sz="1200" dirty="0"/>
+              <a:rPr lang="fr-FR" sz="2400" b="1" dirty="0">
+                <a:latin typeface="Aptos" panose="020B0004020202020204" pitchFamily="34" charset="0"/>
+              </a:rPr>
               <a:t> Mannheim &amp; Prime Capital</a:t>
             </a:r>
           </a:p>
@@ -7428,8 +7344,8 @@
         </p:nvSpPr>
         <p:spPr>
           <a:xfrm>
-            <a:off x="377642" y="5977235"/>
-            <a:ext cx="4550484" cy="461665"/>
+            <a:off x="192112" y="5217667"/>
+            <a:ext cx="5108758" cy="830997"/>
           </a:xfrm>
           <a:prstGeom prst="rect">
             <a:avLst/>
@@ -7443,7 +7359,7 @@
           <a:lstStyle/>
           <a:p>
             <a:r>
-              <a:rPr lang="de-DE" sz="1200" dirty="0">
+              <a:rPr lang="de-DE" sz="2400" b="1" dirty="0">
                 <a:latin typeface="Aptos" panose="020B0004020202020204" pitchFamily="34" charset="0"/>
               </a:rPr>
               <a:t>George Moschovis &amp; Florent Yigbe</a:t>
@@ -7451,12 +7367,12 @@
           </a:p>
           <a:p>
             <a:r>
-              <a:rPr lang="de-DE" sz="1200" dirty="0">
+              <a:rPr lang="de-DE" sz="2400" b="1" dirty="0">
                 <a:latin typeface="Aptos" panose="020B0004020202020204" pitchFamily="34" charset="0"/>
               </a:rPr>
               <a:t>G_5 Gamma Gurus</a:t>
             </a:r>
-            <a:endParaRPr lang="fr-FR" sz="1200" dirty="0">
+            <a:endParaRPr lang="fr-FR" sz="2400" b="1" dirty="0">
               <a:latin typeface="Aptos" panose="020B0004020202020204" pitchFamily="34" charset="0"/>
             </a:endParaRPr>
           </a:p>
@@ -7464,10 +7380,10 @@
       </p:sp>
       <p:pic>
         <p:nvPicPr>
-          <p:cNvPr id="4" name="Picture 3">
+          <p:cNvPr id="8" name="Picture 7" descr="A white silhouette of a deer&#10;&#10;AI-generated content may be incorrect.">
             <a:extLst>
               <a:ext uri="{FF2B5EF4-FFF2-40B4-BE49-F238E27FC236}">
-                <a16:creationId xmlns:a16="http://schemas.microsoft.com/office/drawing/2014/main" id="{AEECD456-4624-9A81-6BFA-C8EA70DADB13}"/>
+                <a16:creationId xmlns:a16="http://schemas.microsoft.com/office/drawing/2014/main" id="{12430D4B-791D-6761-6596-1B65C1767B72}"/>
               </a:ext>
             </a:extLst>
           </p:cNvPr>
@@ -7477,8 +7393,7 @@
           <p:nvPr/>
         </p:nvPicPr>
         <p:blipFill>
-          <a:blip r:embed="rId5">
-            <a:alphaModFix amt="8000"/>
+          <a:blip r:embed="rId3">
             <a:extLst>
               <a:ext uri="{28A0092B-C50C-407E-A947-70E740481C1C}">
                 <a14:useLocalDpi xmlns:a14="http://schemas.microsoft.com/office/drawing/2010/main" val="0"/>
@@ -7491,20 +7406,62 @@
         </p:blipFill>
         <p:spPr>
           <a:xfrm>
-            <a:off x="3081474" y="1928438"/>
-            <a:ext cx="5757278" cy="3620254"/>
+            <a:off x="5024437" y="2357437"/>
+            <a:ext cx="2143125" cy="2143125"/>
           </a:xfrm>
           <a:prstGeom prst="rect">
             <a:avLst/>
           </a:prstGeom>
         </p:spPr>
       </p:pic>
+    </p:spTree>
+    <p:extLst>
+      <p:ext uri="{BB962C8B-B14F-4D97-AF65-F5344CB8AC3E}">
+        <p14:creationId xmlns:p14="http://schemas.microsoft.com/office/powerpoint/2010/main" val="2387849042"/>
+      </p:ext>
+    </p:extLst>
+  </p:cSld>
+  <p:clrMapOvr>
+    <a:masterClrMapping/>
+  </p:clrMapOvr>
+  <mc:AlternateContent xmlns:mc="http://schemas.openxmlformats.org/markup-compatibility/2006" xmlns:p14="http://schemas.microsoft.com/office/powerpoint/2010/main">
+    <mc:Choice Requires="p14">
+      <p:transition spd="slow" p14:dur="1500">
+        <p:pull/>
+      </p:transition>
+    </mc:Choice>
+    <mc:Fallback xmlns="">
+      <p:transition spd="slow">
+        <p:pull/>
+      </p:transition>
+    </mc:Fallback>
+  </mc:AlternateContent>
+</p:sld>
+</file>
+
+<file path=ppt/slides/slide10.xml><?xml version="1.0" encoding="utf-8"?>
+<p:sld xmlns:a="http://schemas.openxmlformats.org/drawingml/2006/main" xmlns:r="http://schemas.openxmlformats.org/officeDocument/2006/relationships" xmlns:p="http://schemas.openxmlformats.org/presentationml/2006/main">
+  <p:cSld>
+    <p:spTree>
+      <p:nvGrpSpPr>
+        <p:cNvPr id="1" name=""/>
+        <p:cNvGrpSpPr/>
+        <p:nvPr/>
+      </p:nvGrpSpPr>
+      <p:grpSpPr>
+        <a:xfrm>
+          <a:off x="0" y="0"/>
+          <a:ext cx="0" cy="0"/>
+          <a:chOff x="0" y="0"/>
+          <a:chExt cx="0" cy="0"/>
+        </a:xfrm>
+      </p:grpSpPr>
       <p:pic>
         <p:nvPicPr>
-          <p:cNvPr id="7" name="Picture 6">
+          <p:cNvPr id="3" name="Picture 2" descr="A graph on a black background&#10;&#10;AI-generated content may be incorrect.">
             <a:extLst>
               <a:ext uri="{FF2B5EF4-FFF2-40B4-BE49-F238E27FC236}">
-                <a16:creationId xmlns:a16="http://schemas.microsoft.com/office/drawing/2014/main" id="{5A695461-F872-C286-C6ED-3DA47E4E7CD4}"/>
+                <a16:creationId xmlns:a16="http://schemas.microsoft.com/office/drawing/2014/main" id="{D8832100-A4C3-CB01-F717-F39D65F07464}"/>
               </a:ext>
             </a:extLst>
           </p:cNvPr>
@@ -7514,8 +7471,7 @@
           <p:nvPr/>
         </p:nvPicPr>
         <p:blipFill>
-          <a:blip r:embed="rId6">
-            <a:alphaModFix amt="11000"/>
+          <a:blip r:embed="rId3">
             <a:extLst>
               <a:ext uri="{28A0092B-C50C-407E-A947-70E740481C1C}">
                 <a14:useLocalDpi xmlns:a14="http://schemas.microsoft.com/office/drawing/2010/main" val="0"/>
@@ -7528,8 +7484,8 @@
         </p:blipFill>
         <p:spPr>
           <a:xfrm>
-            <a:off x="2962275" y="1928438"/>
-            <a:ext cx="6343650" cy="3571875"/>
+            <a:off x="609589" y="228593"/>
+            <a:ext cx="10972822" cy="6400813"/>
           </a:xfrm>
           <a:prstGeom prst="rect">
             <a:avLst/>
@@ -7539,7 +7495,163 @@
     </p:spTree>
     <p:extLst>
       <p:ext uri="{BB962C8B-B14F-4D97-AF65-F5344CB8AC3E}">
-        <p14:creationId xmlns:p14="http://schemas.microsoft.com/office/powerpoint/2010/main" val="2387849042"/>
+        <p14:creationId xmlns:p14="http://schemas.microsoft.com/office/powerpoint/2010/main" val="506829346"/>
+      </p:ext>
+    </p:extLst>
+  </p:cSld>
+  <p:clrMapOvr>
+    <a:masterClrMapping/>
+  </p:clrMapOvr>
+  <mc:AlternateContent xmlns:mc="http://schemas.openxmlformats.org/markup-compatibility/2006" xmlns:p14="http://schemas.microsoft.com/office/powerpoint/2010/main">
+    <mc:Choice Requires="p14">
+      <p:transition spd="slow" p14:dur="1500">
+        <p:pull/>
+      </p:transition>
+    </mc:Choice>
+    <mc:Fallback xmlns="">
+      <p:transition spd="slow">
+        <p:pull/>
+      </p:transition>
+    </mc:Fallback>
+  </mc:AlternateContent>
+</p:sld>
+</file>
+
+<file path=ppt/slides/slide11.xml><?xml version="1.0" encoding="utf-8"?>
+<p:sld xmlns:a="http://schemas.openxmlformats.org/drawingml/2006/main" xmlns:r="http://schemas.openxmlformats.org/officeDocument/2006/relationships" xmlns:p="http://schemas.openxmlformats.org/presentationml/2006/main">
+  <p:cSld>
+    <p:spTree>
+      <p:nvGrpSpPr>
+        <p:cNvPr id="1" name=""/>
+        <p:cNvGrpSpPr/>
+        <p:nvPr/>
+      </p:nvGrpSpPr>
+      <p:grpSpPr>
+        <a:xfrm>
+          <a:off x="0" y="0"/>
+          <a:ext cx="0" cy="0"/>
+          <a:chOff x="0" y="0"/>
+          <a:chExt cx="0" cy="0"/>
+        </a:xfrm>
+      </p:grpSpPr>
+      <p:pic>
+        <p:nvPicPr>
+          <p:cNvPr id="3" name="Picture 2" descr="A graph on a black background&#10;&#10;AI-generated content may be incorrect.">
+            <a:extLst>
+              <a:ext uri="{FF2B5EF4-FFF2-40B4-BE49-F238E27FC236}">
+                <a16:creationId xmlns:a16="http://schemas.microsoft.com/office/drawing/2014/main" id="{F843252F-0DBB-F913-780E-9D1A4149624F}"/>
+              </a:ext>
+            </a:extLst>
+          </p:cNvPr>
+          <p:cNvPicPr>
+            <a:picLocks noChangeAspect="1"/>
+          </p:cNvPicPr>
+          <p:nvPr/>
+        </p:nvPicPr>
+        <p:blipFill>
+          <a:blip r:embed="rId2">
+            <a:extLst>
+              <a:ext uri="{28A0092B-C50C-407E-A947-70E740481C1C}">
+                <a14:useLocalDpi xmlns:a14="http://schemas.microsoft.com/office/drawing/2010/main" val="0"/>
+              </a:ext>
+            </a:extLst>
+          </a:blip>
+          <a:stretch>
+            <a:fillRect/>
+          </a:stretch>
+        </p:blipFill>
+        <p:spPr>
+          <a:xfrm>
+            <a:off x="609589" y="228593"/>
+            <a:ext cx="10972822" cy="6400813"/>
+          </a:xfrm>
+          <a:prstGeom prst="rect">
+            <a:avLst/>
+          </a:prstGeom>
+        </p:spPr>
+      </p:pic>
+    </p:spTree>
+    <p:extLst>
+      <p:ext uri="{BB962C8B-B14F-4D97-AF65-F5344CB8AC3E}">
+        <p14:creationId xmlns:p14="http://schemas.microsoft.com/office/powerpoint/2010/main" val="807926227"/>
+      </p:ext>
+    </p:extLst>
+  </p:cSld>
+  <p:clrMapOvr>
+    <a:masterClrMapping/>
+  </p:clrMapOvr>
+  <mc:AlternateContent xmlns:mc="http://schemas.openxmlformats.org/markup-compatibility/2006" xmlns:p14="http://schemas.microsoft.com/office/powerpoint/2010/main">
+    <mc:Choice Requires="p14">
+      <p:transition spd="slow" p14:dur="1500">
+        <p:pull/>
+      </p:transition>
+    </mc:Choice>
+    <mc:Fallback xmlns="">
+      <p:transition spd="slow">
+        <p:pull/>
+      </p:transition>
+    </mc:Fallback>
+  </mc:AlternateContent>
+</p:sld>
+</file>
+
+<file path=ppt/slides/slide12.xml><?xml version="1.0" encoding="utf-8"?>
+<p:sld xmlns:a="http://schemas.openxmlformats.org/drawingml/2006/main" xmlns:r="http://schemas.openxmlformats.org/officeDocument/2006/relationships" xmlns:p="http://schemas.openxmlformats.org/presentationml/2006/main">
+  <p:cSld>
+    <p:spTree>
+      <p:nvGrpSpPr>
+        <p:cNvPr id="1" name=""/>
+        <p:cNvGrpSpPr/>
+        <p:nvPr/>
+      </p:nvGrpSpPr>
+      <p:grpSpPr>
+        <a:xfrm>
+          <a:off x="0" y="0"/>
+          <a:ext cx="0" cy="0"/>
+          <a:chOff x="0" y="0"/>
+          <a:chExt cx="0" cy="0"/>
+        </a:xfrm>
+      </p:grpSpPr>
+      <p:pic>
+        <p:nvPicPr>
+          <p:cNvPr id="3" name="Picture 2" descr="A graph with blue and orange lines&#10;&#10;AI-generated content may be incorrect.">
+            <a:extLst>
+              <a:ext uri="{FF2B5EF4-FFF2-40B4-BE49-F238E27FC236}">
+                <a16:creationId xmlns:a16="http://schemas.microsoft.com/office/drawing/2014/main" id="{01E86EFA-8DEB-D0B3-3FEF-2F5DB205E54A}"/>
+              </a:ext>
+            </a:extLst>
+          </p:cNvPr>
+          <p:cNvPicPr>
+            <a:picLocks noChangeAspect="1"/>
+          </p:cNvPicPr>
+          <p:nvPr/>
+        </p:nvPicPr>
+        <p:blipFill>
+          <a:blip r:embed="rId2">
+            <a:extLst>
+              <a:ext uri="{28A0092B-C50C-407E-A947-70E740481C1C}">
+                <a14:useLocalDpi xmlns:a14="http://schemas.microsoft.com/office/drawing/2010/main" val="0"/>
+              </a:ext>
+            </a:extLst>
+          </a:blip>
+          <a:stretch>
+            <a:fillRect/>
+          </a:stretch>
+        </p:blipFill>
+        <p:spPr>
+          <a:xfrm>
+            <a:off x="609589" y="228593"/>
+            <a:ext cx="10972822" cy="6400813"/>
+          </a:xfrm>
+          <a:prstGeom prst="rect">
+            <a:avLst/>
+          </a:prstGeom>
+        </p:spPr>
+      </p:pic>
+    </p:spTree>
+    <p:extLst>
+      <p:ext uri="{BB962C8B-B14F-4D97-AF65-F5344CB8AC3E}">
+        <p14:creationId xmlns:p14="http://schemas.microsoft.com/office/powerpoint/2010/main" val="479521948"/>
       </p:ext>
     </p:extLst>
   </p:cSld>
@@ -8933,8 +9045,8 @@
         </p:nvSpPr>
         <p:spPr>
           <a:xfrm>
-            <a:off x="5389133" y="548640"/>
-            <a:ext cx="1705087" cy="369332"/>
+            <a:off x="4926483" y="401879"/>
+            <a:ext cx="2339034" cy="523220"/>
           </a:xfrm>
           <a:prstGeom prst="rect">
             <a:avLst/>
@@ -8948,7 +9060,7 @@
           <a:lstStyle/>
           <a:p>
             <a:r>
-              <a:rPr lang="fr-FR" b="1" dirty="0">
+              <a:rPr lang="fr-FR" sz="2800" b="1" dirty="0">
                 <a:latin typeface="Aptos" panose="020B0004020202020204" pitchFamily="34" charset="0"/>
               </a:rPr>
               <a:t>CORE IDEA</a:t>
@@ -8971,7 +9083,7 @@
         <p:spPr>
           <a:xfrm>
             <a:off x="1194099" y="2095262"/>
-            <a:ext cx="2705548" cy="1754326"/>
+            <a:ext cx="2705548" cy="2154436"/>
           </a:xfrm>
           <a:prstGeom prst="rect">
             <a:avLst/>
@@ -8990,7 +9102,7 @@
               <a:buChar char="Ø"/>
             </a:pPr>
             <a:r>
-              <a:rPr lang="en-US" sz="1400" b="1" dirty="0">
+              <a:rPr lang="en-US" b="1" dirty="0">
                 <a:latin typeface="Aptos" panose="020B0004020202020204" pitchFamily="34" charset="0"/>
               </a:rPr>
               <a:t>What’s the core investment hypothesis ?</a:t>
@@ -9017,7 +9129,7 @@
                 <a:ea typeface="Aptos" panose="020B0004020202020204" pitchFamily="34" charset="0"/>
                 <a:cs typeface="Times New Roman" panose="02020603050405020304" pitchFamily="18" charset="0"/>
               </a:rPr>
-              <a:t>ndervalued stocks with strong fundamentals and positive momentum outperform over 1–3 years.</a:t>
+              <a:t>ndervalued stocks with strong fundamentals and positive momentum outperform over 1–3 years</a:t>
             </a:r>
             <a:endParaRPr lang="fr-FR" sz="1600" dirty="0">
               <a:latin typeface="Aptos" panose="020B0004020202020204" pitchFamily="34" charset="0"/>
@@ -9040,7 +9152,7 @@
         <p:spPr>
           <a:xfrm>
             <a:off x="4448288" y="2095262"/>
-            <a:ext cx="3302598" cy="1600438"/>
+            <a:ext cx="3302598" cy="1908215"/>
           </a:xfrm>
           <a:prstGeom prst="rect">
             <a:avLst/>
@@ -9059,7 +9171,7 @@
               <a:buChar char="Ø"/>
             </a:pPr>
             <a:r>
-              <a:rPr lang="en-US" sz="1600" b="1" dirty="0"/>
+              <a:rPr lang="en-US" b="1" dirty="0"/>
               <a:t>Why does this opportunity exist ?</a:t>
             </a:r>
           </a:p>
@@ -9074,7 +9186,7 @@
                 <a:ea typeface="Aptos" panose="020B0004020202020204" pitchFamily="34" charset="0"/>
                 <a:cs typeface="Times New Roman" panose="02020603050405020304" pitchFamily="18" charset="0"/>
               </a:rPr>
-              <a:t>Investors often overlook high-quality undervalued companies, creating mispricing opportunities.</a:t>
+              <a:t>Investors often overlook high-quality undervalued companies, creating mispricing opportunities</a:t>
             </a:r>
             <a:endParaRPr lang="en-US" sz="1600" dirty="0"/>
           </a:p>
@@ -9101,8 +9213,8 @@
         </p:nvSpPr>
         <p:spPr>
           <a:xfrm>
-            <a:off x="8299527" y="2095262"/>
-            <a:ext cx="3227294" cy="1384995"/>
+            <a:off x="8299527" y="2085062"/>
+            <a:ext cx="3227294" cy="892552"/>
           </a:xfrm>
           <a:prstGeom prst="rect">
             <a:avLst/>
@@ -9121,7 +9233,7 @@
               <a:buChar char="Ø"/>
             </a:pPr>
             <a:r>
-              <a:rPr lang="en-US" sz="1600" b="1" dirty="0">
+              <a:rPr lang="en-US" b="1" dirty="0">
                 <a:effectLst/>
                 <a:latin typeface="Aptos" panose="020B0004020202020204" pitchFamily="34" charset="0"/>
                 <a:ea typeface="Aptos" panose="020B0004020202020204" pitchFamily="34" charset="0"/>
@@ -9146,7 +9258,7 @@
                 <a:ea typeface="Aptos" panose="020B0004020202020204" pitchFamily="34" charset="0"/>
                 <a:cs typeface="Times New Roman" panose="02020603050405020304" pitchFamily="18" charset="0"/>
               </a:rPr>
-              <a:t>Highly liquid mid-to-large cap equities (Top 300 S&amp;P 500 companies).</a:t>
+              <a:t>Top 300 S&amp;P 500 companies</a:t>
             </a:r>
             <a:endParaRPr lang="fr-FR" sz="1600" dirty="0"/>
           </a:p>
@@ -9995,8 +10107,8 @@
         </p:nvSpPr>
         <p:spPr>
           <a:xfrm>
-            <a:off x="4918934" y="587967"/>
-            <a:ext cx="2191871" cy="637097"/>
+            <a:off x="4281641" y="390818"/>
+            <a:ext cx="3628718" cy="775597"/>
           </a:xfrm>
           <a:prstGeom prst="rect">
             <a:avLst/>
@@ -10028,7 +10140,7 @@
           <a:p>
             <a:pPr algn="ctr" rtl="0"/>
             <a:r>
-              <a:rPr lang="de-DE" sz="1800" b="1" dirty="0">
+              <a:rPr lang="de-DE" sz="2800" b="1" dirty="0">
                 <a:solidFill>
                   <a:schemeClr val="tx1">
                     <a:lumMod val="75000"/>
@@ -10134,9 +10246,9 @@
             <a:avLst/>
           </a:prstGeom>
           <a:solidFill>
-            <a:schemeClr val="dk1">
+            <a:srgbClr val="00B0F0">
               <a:alpha val="50000"/>
-            </a:schemeClr>
+            </a:srgbClr>
           </a:solidFill>
           <a:ln>
             <a:noFill/>
@@ -10381,6 +10493,9 @@
               <a:avLst/>
             </a:prstGeom>
             <a:ln>
+              <a:solidFill>
+                <a:schemeClr val="tx1"/>
+              </a:solidFill>
               <a:tailEnd type="triangle"/>
             </a:ln>
           </p:spPr>
@@ -10419,7 +10534,11 @@
             <a:prstGeom prst="line">
               <a:avLst/>
             </a:prstGeom>
-            <a:ln/>
+            <a:ln>
+              <a:solidFill>
+                <a:schemeClr val="tx1"/>
+              </a:solidFill>
+            </a:ln>
           </p:spPr>
           <p:style>
             <a:lnRef idx="3">
@@ -10493,7 +10612,7 @@
         <p:spPr>
           <a:xfrm>
             <a:off x="7575795" y="1740076"/>
-            <a:ext cx="3910405" cy="3377848"/>
+            <a:ext cx="3910405" cy="3059299"/>
           </a:xfrm>
           <a:prstGeom prst="rect">
             <a:avLst/>
@@ -10603,7 +10722,24 @@
                 <a:ea typeface="Aptos" panose="020B0004020202020204" pitchFamily="34" charset="0"/>
                 <a:cs typeface="Times New Roman" panose="02020603050405020304" pitchFamily="18" charset="0"/>
               </a:rPr>
-              <a:t>undamentals: P/E, P/B, EV/EBITDA, ROE, debt/equity, cash flow.</a:t>
+              <a:t>undamentals: P/E, P/B, EV/EBITDA, ROE, Debt/</a:t>
+            </a:r>
+            <a:r>
+              <a:rPr lang="en-US" kern="100" dirty="0">
+                <a:latin typeface="Aptos" panose="020B0004020202020204" pitchFamily="34" charset="0"/>
+                <a:ea typeface="Aptos" panose="020B0004020202020204" pitchFamily="34" charset="0"/>
+                <a:cs typeface="Times New Roman" panose="02020603050405020304" pitchFamily="18" charset="0"/>
+              </a:rPr>
+              <a:t>E</a:t>
+            </a:r>
+            <a:r>
+              <a:rPr lang="en-US" sz="1800" kern="100" dirty="0">
+                <a:effectLst/>
+                <a:latin typeface="Aptos" panose="020B0004020202020204" pitchFamily="34" charset="0"/>
+                <a:ea typeface="Aptos" panose="020B0004020202020204" pitchFamily="34" charset="0"/>
+                <a:cs typeface="Times New Roman" panose="02020603050405020304" pitchFamily="18" charset="0"/>
+              </a:rPr>
+              <a:t>quity</a:t>
             </a:r>
             <a:endParaRPr lang="fr-FR" sz="1800" kern="100" dirty="0">
               <a:effectLst/>
@@ -10650,7 +10786,24 @@
                 <a:ea typeface="Aptos" panose="020B0004020202020204" pitchFamily="34" charset="0"/>
                 <a:cs typeface="Times New Roman" panose="02020603050405020304" pitchFamily="18" charset="0"/>
               </a:rPr>
-              <a:t>Quarterly fundamentals, daily or weekly prices.</a:t>
+              <a:t>Quarterly fundamentals, daily</a:t>
+            </a:r>
+            <a:r>
+              <a:rPr lang="en-US" kern="100" dirty="0">
+                <a:latin typeface="Aptos" panose="020B0004020202020204" pitchFamily="34" charset="0"/>
+                <a:ea typeface="Aptos" panose="020B0004020202020204" pitchFamily="34" charset="0"/>
+                <a:cs typeface="Times New Roman" panose="02020603050405020304" pitchFamily="18" charset="0"/>
+              </a:rPr>
+              <a:t> </a:t>
+            </a:r>
+            <a:r>
+              <a:rPr lang="en-US" sz="1800" kern="100" dirty="0">
+                <a:effectLst/>
+                <a:latin typeface="Aptos" panose="020B0004020202020204" pitchFamily="34" charset="0"/>
+                <a:ea typeface="Aptos" panose="020B0004020202020204" pitchFamily="34" charset="0"/>
+                <a:cs typeface="Times New Roman" panose="02020603050405020304" pitchFamily="18" charset="0"/>
+              </a:rPr>
+              <a:t>prices</a:t>
             </a:r>
             <a:endParaRPr lang="fr-FR" sz="1800" kern="100" dirty="0">
               <a:effectLst/>
@@ -12032,8 +12185,8 @@
         </p:nvSpPr>
         <p:spPr>
           <a:xfrm>
-            <a:off x="1001731" y="1785549"/>
-            <a:ext cx="6161069" cy="3112134"/>
+            <a:off x="1113824" y="2338840"/>
+            <a:ext cx="7214617" cy="2376035"/>
           </a:xfrm>
           <a:prstGeom prst="rect">
             <a:avLst/>
@@ -12046,7 +12199,7 @@
           </a:bodyPr>
           <a:lstStyle/>
           <a:p>
-            <a:pPr marL="285750" indent="-285750">
+            <a:pPr marL="342900" indent="-342900">
               <a:lnSpc>
                 <a:spcPct val="115000"/>
               </a:lnSpc>
@@ -12057,48 +12210,24 @@
               <a:buChar char="•"/>
             </a:pPr>
             <a:r>
-              <a:rPr lang="en-US" sz="1800" b="1" kern="100" dirty="0">
+              <a:rPr lang="en-US" sz="2400" b="1" kern="100" dirty="0">
                 <a:effectLst/>
                 <a:latin typeface="Aptos" panose="020B0004020202020204" pitchFamily="34" charset="0"/>
                 <a:ea typeface="Aptos" panose="020B0004020202020204" pitchFamily="34" charset="0"/>
                 <a:cs typeface="Times New Roman" panose="02020603050405020304" pitchFamily="18" charset="0"/>
               </a:rPr>
-              <a:t>Value factors:</a:t>
+              <a:t>Value factors: </a:t>
             </a:r>
             <a:r>
-              <a:rPr lang="en-US" sz="1800" kern="100" dirty="0">
+              <a:rPr lang="en-US" sz="2400" kern="100" dirty="0">
                 <a:effectLst/>
                 <a:latin typeface="Aptos" panose="020B0004020202020204" pitchFamily="34" charset="0"/>
                 <a:ea typeface="Aptos" panose="020B0004020202020204" pitchFamily="34" charset="0"/>
                 <a:cs typeface="Times New Roman" panose="02020603050405020304" pitchFamily="18" charset="0"/>
               </a:rPr>
-              <a:t> Low P/E, low EV/EBITDA, low P/B</a:t>
+              <a:t>Low P/E, low EV/EBITDA, low P/B</a:t>
             </a:r>
-            <a:r>
-              <a:rPr lang="en-US" kern="100" dirty="0">
-                <a:latin typeface="Aptos" panose="020B0004020202020204" pitchFamily="34" charset="0"/>
-                <a:ea typeface="Aptos" panose="020B0004020202020204" pitchFamily="34" charset="0"/>
-                <a:cs typeface="Times New Roman" panose="02020603050405020304" pitchFamily="18" charset="0"/>
-              </a:rPr>
-              <a:t>.</a:t>
-            </a:r>
-            <a:endParaRPr lang="en-US" sz="1800" kern="100" dirty="0">
-              <a:effectLst/>
-              <a:latin typeface="Aptos" panose="020B0004020202020204" pitchFamily="34" charset="0"/>
-              <a:ea typeface="Aptos" panose="020B0004020202020204" pitchFamily="34" charset="0"/>
-              <a:cs typeface="Times New Roman" panose="02020603050405020304" pitchFamily="18" charset="0"/>
-            </a:endParaRPr>
-          </a:p>
-          <a:p>
-            <a:pPr>
-              <a:lnSpc>
-                <a:spcPct val="115000"/>
-              </a:lnSpc>
-              <a:spcAft>
-                <a:spcPts val="800"/>
-              </a:spcAft>
-            </a:pPr>
-            <a:endParaRPr lang="fr-FR" sz="1800" kern="100" dirty="0">
+            <a:endParaRPr lang="fr-FR" sz="2400" kern="100" dirty="0">
               <a:effectLst/>
               <a:latin typeface="Aptos" panose="020B0004020202020204" pitchFamily="34" charset="0"/>
               <a:ea typeface="Aptos" panose="020B0004020202020204" pitchFamily="34" charset="0"/>
@@ -12114,45 +12243,31 @@
                 <a:spcPts val="800"/>
               </a:spcAft>
               <a:buSzPts val="1000"/>
-              <a:buFont typeface="Symbol" panose="05050102010706020507" pitchFamily="18" charset="2"/>
-              <a:buChar char=""/>
+              <a:buFont typeface="Arial" panose="020B0604020202020204" pitchFamily="34" charset="0"/>
+              <a:buChar char="•"/>
               <a:tabLst>
                 <a:tab pos="457200" algn="l"/>
               </a:tabLst>
             </a:pPr>
             <a:r>
-              <a:rPr lang="en-US" sz="1800" b="1" kern="100" dirty="0">
+              <a:rPr lang="en-US" sz="2400" b="1" kern="100" dirty="0">
                 <a:effectLst/>
                 <a:latin typeface="Aptos" panose="020B0004020202020204" pitchFamily="34" charset="0"/>
                 <a:ea typeface="Aptos" panose="020B0004020202020204" pitchFamily="34" charset="0"/>
                 <a:cs typeface="Times New Roman" panose="02020603050405020304" pitchFamily="18" charset="0"/>
               </a:rPr>
-              <a:t>Quality factors:</a:t>
+              <a:t>Quality factors: </a:t>
             </a:r>
             <a:r>
-              <a:rPr lang="en-US" sz="1800" kern="100" dirty="0">
+              <a:rPr lang="en-US" sz="2400" kern="100" dirty="0">
                 <a:effectLst/>
                 <a:latin typeface="Aptos" panose="020B0004020202020204" pitchFamily="34" charset="0"/>
                 <a:ea typeface="Aptos" panose="020B0004020202020204" pitchFamily="34" charset="0"/>
                 <a:cs typeface="Times New Roman" panose="02020603050405020304" pitchFamily="18" charset="0"/>
               </a:rPr>
-              <a:t> High ROE, low debt/equity, positive cash flow trends.</a:t>
+              <a:t>High ROE, low debt/equity</a:t>
             </a:r>
-          </a:p>
-          <a:p>
-            <a:pPr lvl="0">
-              <a:lnSpc>
-                <a:spcPct val="115000"/>
-              </a:lnSpc>
-              <a:spcAft>
-                <a:spcPts val="800"/>
-              </a:spcAft>
-              <a:buSzPts val="1000"/>
-              <a:tabLst>
-                <a:tab pos="457200" algn="l"/>
-              </a:tabLst>
-            </a:pPr>
-            <a:endParaRPr lang="fr-FR" sz="1800" kern="100" dirty="0">
+            <a:endParaRPr lang="fr-FR" sz="2400" kern="100" dirty="0">
               <a:effectLst/>
               <a:latin typeface="Aptos" panose="020B0004020202020204" pitchFamily="34" charset="0"/>
               <a:ea typeface="Aptos" panose="020B0004020202020204" pitchFamily="34" charset="0"/>
@@ -12168,31 +12283,31 @@
                 <a:spcPts val="800"/>
               </a:spcAft>
               <a:buSzPts val="1000"/>
-              <a:buFont typeface="Symbol" panose="05050102010706020507" pitchFamily="18" charset="2"/>
-              <a:buChar char=""/>
+              <a:buFont typeface="Arial" panose="020B0604020202020204" pitchFamily="34" charset="0"/>
+              <a:buChar char="•"/>
               <a:tabLst>
                 <a:tab pos="457200" algn="l"/>
               </a:tabLst>
             </a:pPr>
             <a:r>
-              <a:rPr lang="en-US" sz="1800" b="1" kern="100" dirty="0">
+              <a:rPr lang="en-US" sz="2400" b="1" kern="100" dirty="0">
                 <a:effectLst/>
                 <a:latin typeface="Aptos" panose="020B0004020202020204" pitchFamily="34" charset="0"/>
                 <a:ea typeface="Aptos" panose="020B0004020202020204" pitchFamily="34" charset="0"/>
                 <a:cs typeface="Times New Roman" panose="02020603050405020304" pitchFamily="18" charset="0"/>
               </a:rPr>
-              <a:t>Momentum filter:</a:t>
+              <a:t>Momentum filter: </a:t>
             </a:r>
             <a:r>
-              <a:rPr lang="en-US" sz="1800" kern="100" dirty="0">
+              <a:rPr lang="en-US" sz="2400" kern="100" dirty="0">
                 <a:effectLst/>
                 <a:latin typeface="Aptos" panose="020B0004020202020204" pitchFamily="34" charset="0"/>
                 <a:ea typeface="Aptos" panose="020B0004020202020204" pitchFamily="34" charset="0"/>
                 <a:cs typeface="Times New Roman" panose="02020603050405020304" pitchFamily="18" charset="0"/>
               </a:rPr>
-              <a:t> Only select stocks with positive 3–12 months price momentum.</a:t>
+              <a:t>Only select stocks with 	positive 3 and 12-month price momentum.</a:t>
             </a:r>
-            <a:endParaRPr lang="fr-FR" sz="1800" kern="100" dirty="0">
+            <a:endParaRPr lang="fr-FR" sz="2400" kern="100" dirty="0">
               <a:effectLst/>
               <a:latin typeface="Aptos" panose="020B0004020202020204" pitchFamily="34" charset="0"/>
               <a:ea typeface="Aptos" panose="020B0004020202020204" pitchFamily="34" charset="0"/>
@@ -12218,8 +12333,8 @@
         </p:nvSpPr>
         <p:spPr>
           <a:xfrm>
-            <a:off x="4785135" y="510989"/>
-            <a:ext cx="2697929" cy="646331"/>
+            <a:off x="3863559" y="351963"/>
+            <a:ext cx="4464882" cy="800219"/>
           </a:xfrm>
           <a:prstGeom prst="rect">
             <a:avLst/>
@@ -12233,7 +12348,7 @@
           <a:lstStyle/>
           <a:p>
             <a:r>
-              <a:rPr lang="de-DE" sz="1800" b="1" kern="100" dirty="0">
+              <a:rPr lang="de-DE" sz="2800" b="1" kern="100" dirty="0">
                 <a:effectLst/>
                 <a:latin typeface="Aptos" panose="020B0004020202020204" pitchFamily="34" charset="0"/>
                 <a:ea typeface="Aptos" panose="020B0004020202020204" pitchFamily="34" charset="0"/>
@@ -12242,7 +12357,7 @@
               <a:t>SIGNAL DISIGN </a:t>
             </a:r>
             <a:r>
-              <a:rPr lang="el-GR" sz="1800" b="1" kern="100" dirty="0">
+              <a:rPr lang="el-GR" sz="2800" b="1" kern="100" dirty="0">
                 <a:effectLst/>
                 <a:latin typeface="Aptos" panose="020B0004020202020204" pitchFamily="34" charset="0"/>
                 <a:ea typeface="Aptos" panose="020B0004020202020204" pitchFamily="34" charset="0"/>
@@ -12250,7 +12365,7 @@
               </a:rPr>
               <a:t>(Alpha)</a:t>
             </a:r>
-            <a:endParaRPr lang="fr-FR" sz="1800" kern="100" dirty="0">
+            <a:endParaRPr lang="fr-FR" sz="2800" kern="100" dirty="0">
               <a:effectLst/>
               <a:latin typeface="Aptos" panose="020B0004020202020204" pitchFamily="34" charset="0"/>
               <a:ea typeface="Aptos" panose="020B0004020202020204" pitchFamily="34" charset="0"/>
@@ -12479,7 +12594,7 @@
         <p:spPr>
           <a:xfrm>
             <a:off x="270511" y="1855694"/>
-            <a:ext cx="5214321" cy="1237455"/>
+            <a:ext cx="5214321" cy="1658596"/>
           </a:xfrm>
           <a:prstGeom prst="rect">
             <a:avLst/>
@@ -12529,7 +12644,25 @@
                 <a:ea typeface="Aptos" panose="020B0004020202020204" pitchFamily="34" charset="0"/>
                 <a:cs typeface="Times New Roman" panose="02020603050405020304" pitchFamily="18" charset="0"/>
               </a:rPr>
-              <a:t>Long top 15–20 ranked stocks.</a:t>
+              <a:t>Long </a:t>
+            </a:r>
+            <a:r>
+              <a:rPr lang="el-GR" sz="1800" kern="100" dirty="0" err="1">
+                <a:effectLst/>
+                <a:latin typeface="Aptos" panose="020B0004020202020204" pitchFamily="34" charset="0"/>
+                <a:ea typeface="Aptos" panose="020B0004020202020204" pitchFamily="34" charset="0"/>
+                <a:cs typeface="Times New Roman" panose="02020603050405020304" pitchFamily="18" charset="0"/>
+              </a:rPr>
+              <a:t>top</a:t>
+            </a:r>
+            <a:r>
+              <a:rPr lang="el-GR" sz="1800" kern="100" dirty="0">
+                <a:effectLst/>
+                <a:latin typeface="Aptos" panose="020B0004020202020204" pitchFamily="34" charset="0"/>
+                <a:ea typeface="Aptos" panose="020B0004020202020204" pitchFamily="34" charset="0"/>
+                <a:cs typeface="Times New Roman" panose="02020603050405020304" pitchFamily="18" charset="0"/>
+              </a:rPr>
+              <a:t> 20 ranked stocks.</a:t>
             </a:r>
             <a:endParaRPr lang="fr-FR" sz="1800" kern="100" dirty="0">
               <a:effectLst/>
@@ -12554,13 +12687,37 @@
               </a:tabLst>
             </a:pPr>
             <a:r>
-              <a:rPr lang="el-GR" sz="1800" kern="100" dirty="0">
+              <a:rPr lang="en-US" kern="100" dirty="0">
+                <a:latin typeface="Aptos" panose="020B0004020202020204" pitchFamily="34" charset="0"/>
+                <a:ea typeface="Aptos" panose="020B0004020202020204" pitchFamily="34" charset="0"/>
+                <a:cs typeface="Times New Roman" panose="02020603050405020304" pitchFamily="18" charset="0"/>
+              </a:rPr>
+              <a:t>5% to each position</a:t>
+            </a:r>
+          </a:p>
+          <a:p>
+            <a:pPr marL="285750" lvl="0" indent="-285750">
+              <a:lnSpc>
+                <a:spcPct val="115000"/>
+              </a:lnSpc>
+              <a:spcAft>
+                <a:spcPts val="800"/>
+              </a:spcAft>
+              <a:buSzPct val="100000"/>
+              <a:buFont typeface="Arial" panose="020B0604020202020204" pitchFamily="34" charset="0"/>
+              <a:buChar char="•"/>
+              <a:tabLst>
+                <a:tab pos="457200" algn="l"/>
+              </a:tabLst>
+            </a:pPr>
+            <a:r>
+              <a:rPr lang="en-US" sz="1800" kern="100" dirty="0">
                 <a:effectLst/>
                 <a:latin typeface="Aptos" panose="020B0004020202020204" pitchFamily="34" charset="0"/>
                 <a:ea typeface="Aptos" panose="020B0004020202020204" pitchFamily="34" charset="0"/>
                 <a:cs typeface="Times New Roman" panose="02020603050405020304" pitchFamily="18" charset="0"/>
               </a:rPr>
-              <a:t>Max 5–7% risk per position.</a:t>
+              <a:t>Equal weight</a:t>
             </a:r>
             <a:endParaRPr lang="fr-FR" sz="1800" kern="100" dirty="0">
               <a:effectLst/>
@@ -12586,7 +12743,7 @@
           <p:nvPr>
             <p:extLst>
               <p:ext uri="{D42A27DB-BD31-4B8C-83A1-F6EECF244321}">
-                <p14:modId xmlns:p14="http://schemas.microsoft.com/office/powerpoint/2010/main" val="2612126596"/>
+                <p14:modId xmlns:p14="http://schemas.microsoft.com/office/powerpoint/2010/main" val="3667360999"/>
               </p:ext>
             </p:extLst>
           </p:nvPr>
@@ -12615,8 +12772,8 @@
         </p:nvSpPr>
         <p:spPr>
           <a:xfrm>
-            <a:off x="4525383" y="506505"/>
-            <a:ext cx="3141233" cy="369332"/>
+            <a:off x="3382500" y="407005"/>
+            <a:ext cx="5427000" cy="523220"/>
           </a:xfrm>
           <a:prstGeom prst="rect">
             <a:avLst/>
@@ -12630,10 +12787,14 @@
           <a:lstStyle/>
           <a:p>
             <a:r>
-              <a:rPr lang="de-DE" b="1" dirty="0"/>
+              <a:rPr lang="de-DE" sz="2800" b="1" dirty="0">
+                <a:latin typeface="Aptos" panose="020B0004020202020204" pitchFamily="34" charset="0"/>
+              </a:rPr>
               <a:t>PORTOFOLIO CONSTRUCTION</a:t>
             </a:r>
-            <a:endParaRPr lang="fr-FR" b="1" dirty="0"/>
+            <a:endParaRPr lang="fr-FR" sz="2800" b="1" dirty="0">
+              <a:latin typeface="Aptos" panose="020B0004020202020204" pitchFamily="34" charset="0"/>
+            </a:endParaRPr>
           </a:p>
         </p:txBody>
       </p:sp>
@@ -12670,13 +12831,30 @@
               <a:buChar char="•"/>
             </a:pPr>
             <a:r>
+              <a:rPr lang="el-GR" sz="1800" dirty="0" err="1">
+                <a:effectLst/>
+                <a:latin typeface="Aptos" panose="020B0004020202020204" pitchFamily="34" charset="0"/>
+                <a:ea typeface="Aptos" panose="020B0004020202020204" pitchFamily="34" charset="0"/>
+                <a:cs typeface="Times New Roman" panose="02020603050405020304" pitchFamily="18" charset="0"/>
+              </a:rPr>
+              <a:t>Rebalance</a:t>
+            </a:r>
+            <a:r>
               <a:rPr lang="el-GR" sz="1800" dirty="0">
                 <a:effectLst/>
                 <a:latin typeface="Aptos" panose="020B0004020202020204" pitchFamily="34" charset="0"/>
                 <a:ea typeface="Aptos" panose="020B0004020202020204" pitchFamily="34" charset="0"/>
                 <a:cs typeface="Times New Roman" panose="02020603050405020304" pitchFamily="18" charset="0"/>
               </a:rPr>
-              <a:t>Rebalance quarterly</a:t>
+              <a:t> </a:t>
+            </a:r>
+            <a:r>
+              <a:rPr lang="en-US" dirty="0">
+                <a:latin typeface="Aptos" panose="020B0004020202020204" pitchFamily="34" charset="0"/>
+                <a:ea typeface="Aptos" panose="020B0004020202020204" pitchFamily="34" charset="0"/>
+                <a:cs typeface="Times New Roman" panose="02020603050405020304" pitchFamily="18" charset="0"/>
+              </a:rPr>
+              <a:t>semi-annually</a:t>
             </a:r>
             <a:r>
               <a:rPr lang="de-DE" sz="1800" dirty="0">
@@ -12716,7 +12894,7 @@
               <a:rPr lang="en-US" dirty="0">
                 <a:latin typeface="Aptos" panose="020B0004020202020204" pitchFamily="34" charset="0"/>
               </a:rPr>
-              <a:t>tock is no more part of the SP 500, we replace it according to our strategy .</a:t>
+              <a:t>tock is no more part of the S&amp;P 500 we replace it according to our strategy .</a:t>
             </a:r>
           </a:p>
           <a:p>
@@ -12851,15 +13029,33 @@
                                   </p:childTnLst>
                                 </p:cTn>
                               </p:par>
+                            </p:childTnLst>
+                          </p:cTn>
+                        </p:par>
+                      </p:childTnLst>
+                    </p:cTn>
+                  </p:par>
+                  <p:par>
+                    <p:cTn id="9" fill="hold">
+                      <p:stCondLst>
+                        <p:cond delay="indefinite"/>
+                      </p:stCondLst>
+                      <p:childTnLst>
+                        <p:par>
+                          <p:cTn id="10" fill="hold">
+                            <p:stCondLst>
+                              <p:cond delay="0"/>
+                            </p:stCondLst>
+                            <p:childTnLst>
                               <p:par>
-                                <p:cTn id="9" presetID="2" presetClass="entr" presetSubtype="8" fill="hold" nodeType="withEffect">
+                                <p:cTn id="11" presetID="2" presetClass="entr" presetSubtype="8" fill="hold" nodeType="clickEffect">
                                   <p:stCondLst>
                                     <p:cond delay="0"/>
                                   </p:stCondLst>
                                   <p:childTnLst>
                                     <p:set>
                                       <p:cBhvr>
-                                        <p:cTn id="10" dur="1" fill="hold">
+                                        <p:cTn id="12" dur="1" fill="hold">
                                           <p:stCondLst>
                                             <p:cond delay="0"/>
                                           </p:stCondLst>
@@ -12881,7 +13077,7 @@
                                     </p:set>
                                     <p:anim calcmode="lin" valueType="num">
                                       <p:cBhvr additive="base">
-                                        <p:cTn id="11" dur="1000" fill="hold"/>
+                                        <p:cTn id="13" dur="1000" fill="hold"/>
                                         <p:tgtEl>
                                           <p:spTgt spid="2">
                                             <p:txEl>
@@ -12908,7 +13104,7 @@
                                     </p:anim>
                                     <p:anim calcmode="lin" valueType="num">
                                       <p:cBhvr additive="base">
-                                        <p:cTn id="12" dur="1000" fill="hold"/>
+                                        <p:cTn id="14" dur="1000" fill="hold"/>
                                         <p:tgtEl>
                                           <p:spTgt spid="2">
                                             <p:txEl>
@@ -12943,26 +13139,129 @@
                     </p:cTn>
                   </p:par>
                   <p:par>
-                    <p:cTn id="13" fill="hold">
+                    <p:cTn id="15" fill="hold">
                       <p:stCondLst>
                         <p:cond delay="indefinite"/>
                       </p:stCondLst>
                       <p:childTnLst>
                         <p:par>
-                          <p:cTn id="14" fill="hold">
+                          <p:cTn id="16" fill="hold">
                             <p:stCondLst>
                               <p:cond delay="0"/>
                             </p:stCondLst>
                             <p:childTnLst>
                               <p:par>
-                                <p:cTn id="15" presetID="10" presetClass="entr" presetSubtype="0" fill="hold" grpId="0" nodeType="clickEffect">
+                                <p:cTn id="17" presetID="2" presetClass="entr" presetSubtype="8" fill="hold" nodeType="clickEffect">
                                   <p:stCondLst>
                                     <p:cond delay="0"/>
                                   </p:stCondLst>
                                   <p:childTnLst>
                                     <p:set>
                                       <p:cBhvr>
-                                        <p:cTn id="16" dur="1" fill="hold">
+                                        <p:cTn id="18" dur="1" fill="hold">
+                                          <p:stCondLst>
+                                            <p:cond delay="0"/>
+                                          </p:stCondLst>
+                                        </p:cTn>
+                                        <p:tgtEl>
+                                          <p:spTgt spid="2">
+                                            <p:txEl>
+                                              <p:pRg st="3" end="3"/>
+                                            </p:txEl>
+                                          </p:spTgt>
+                                        </p:tgtEl>
+                                        <p:attrNameLst>
+                                          <p:attrName>style.visibility</p:attrName>
+                                        </p:attrNameLst>
+                                      </p:cBhvr>
+                                      <p:to>
+                                        <p:strVal val="visible"/>
+                                      </p:to>
+                                    </p:set>
+                                    <p:anim calcmode="lin" valueType="num">
+                                      <p:cBhvr additive="base">
+                                        <p:cTn id="19" dur="1000" fill="hold"/>
+                                        <p:tgtEl>
+                                          <p:spTgt spid="2">
+                                            <p:txEl>
+                                              <p:pRg st="3" end="3"/>
+                                            </p:txEl>
+                                          </p:spTgt>
+                                        </p:tgtEl>
+                                        <p:attrNameLst>
+                                          <p:attrName>ppt_x</p:attrName>
+                                        </p:attrNameLst>
+                                      </p:cBhvr>
+                                      <p:tavLst>
+                                        <p:tav tm="0">
+                                          <p:val>
+                                            <p:strVal val="0-#ppt_w/2"/>
+                                          </p:val>
+                                        </p:tav>
+                                        <p:tav tm="100000">
+                                          <p:val>
+                                            <p:strVal val="#ppt_x"/>
+                                          </p:val>
+                                        </p:tav>
+                                      </p:tavLst>
+                                    </p:anim>
+                                    <p:anim calcmode="lin" valueType="num">
+                                      <p:cBhvr additive="base">
+                                        <p:cTn id="20" dur="1000" fill="hold"/>
+                                        <p:tgtEl>
+                                          <p:spTgt spid="2">
+                                            <p:txEl>
+                                              <p:pRg st="3" end="3"/>
+                                            </p:txEl>
+                                          </p:spTgt>
+                                        </p:tgtEl>
+                                        <p:attrNameLst>
+                                          <p:attrName>ppt_y</p:attrName>
+                                        </p:attrNameLst>
+                                      </p:cBhvr>
+                                      <p:tavLst>
+                                        <p:tav tm="0">
+                                          <p:val>
+                                            <p:strVal val="#ppt_y"/>
+                                          </p:val>
+                                        </p:tav>
+                                        <p:tav tm="100000">
+                                          <p:val>
+                                            <p:strVal val="#ppt_y"/>
+                                          </p:val>
+                                        </p:tav>
+                                      </p:tavLst>
+                                    </p:anim>
+                                  </p:childTnLst>
+                                </p:cTn>
+                              </p:par>
+                            </p:childTnLst>
+                          </p:cTn>
+                        </p:par>
+                      </p:childTnLst>
+                    </p:cTn>
+                  </p:par>
+                  <p:par>
+                    <p:cTn id="21" fill="hold">
+                      <p:stCondLst>
+                        <p:cond delay="indefinite"/>
+                      </p:stCondLst>
+                      <p:childTnLst>
+                        <p:par>
+                          <p:cTn id="22" fill="hold">
+                            <p:stCondLst>
+                              <p:cond delay="0"/>
+                            </p:stCondLst>
+                            <p:childTnLst>
+                              <p:par>
+                                <p:cTn id="23" presetID="10" presetClass="entr" presetSubtype="0" fill="hold" grpId="0" nodeType="clickEffect">
+                                  <p:stCondLst>
+                                    <p:cond delay="0"/>
+                                  </p:stCondLst>
+                                  <p:childTnLst>
+                                    <p:set>
+                                      <p:cBhvr>
+                                        <p:cTn id="24" dur="1" fill="hold">
                                           <p:stCondLst>
                                             <p:cond delay="0"/>
                                           </p:stCondLst>
@@ -12980,7 +13279,7 @@
                                     </p:set>
                                     <p:animEffect transition="in" filter="fade">
                                       <p:cBhvr>
-                                        <p:cTn id="17" dur="1500"/>
+                                        <p:cTn id="25" dur="1500"/>
                                         <p:tgtEl>
                                           <p:spTgt spid="3"/>
                                         </p:tgtEl>
@@ -12996,26 +13295,26 @@
                     </p:cTn>
                   </p:par>
                   <p:par>
-                    <p:cTn id="18" fill="hold">
+                    <p:cTn id="26" fill="hold">
                       <p:stCondLst>
                         <p:cond delay="indefinite"/>
                       </p:stCondLst>
                       <p:childTnLst>
                         <p:par>
-                          <p:cTn id="19" fill="hold">
+                          <p:cTn id="27" fill="hold">
                             <p:stCondLst>
                               <p:cond delay="0"/>
                             </p:stCondLst>
                             <p:childTnLst>
                               <p:par>
-                                <p:cTn id="20" presetID="2" presetClass="entr" presetSubtype="4" fill="hold" nodeType="clickEffect">
+                                <p:cTn id="28" presetID="2" presetClass="entr" presetSubtype="4" fill="hold" nodeType="clickEffect">
                                   <p:stCondLst>
                                     <p:cond delay="0"/>
                                   </p:stCondLst>
                                   <p:childTnLst>
                                     <p:set>
                                       <p:cBhvr>
-                                        <p:cTn id="21" dur="1" fill="hold">
+                                        <p:cTn id="29" dur="1" fill="hold">
                                           <p:stCondLst>
                                             <p:cond delay="0"/>
                                           </p:stCondLst>
@@ -13037,7 +13336,7 @@
                                     </p:set>
                                     <p:anim calcmode="lin" valueType="num">
                                       <p:cBhvr additive="base">
-                                        <p:cTn id="22" dur="1000" fill="hold"/>
+                                        <p:cTn id="30" dur="1000" fill="hold"/>
                                         <p:tgtEl>
                                           <p:spTgt spid="5">
                                             <p:txEl>
@@ -13064,7 +13363,7 @@
                                     </p:anim>
                                     <p:anim calcmode="lin" valueType="num">
                                       <p:cBhvr additive="base">
-                                        <p:cTn id="23" dur="1000" fill="hold"/>
+                                        <p:cTn id="31" dur="1000" fill="hold"/>
                                         <p:tgtEl>
                                           <p:spTgt spid="5">
                                             <p:txEl>
@@ -13554,7 +13853,51 @@
                 <a:ea typeface="Aptos" panose="020B0004020202020204" pitchFamily="34" charset="0"/>
                 <a:cs typeface="Times New Roman" panose="02020603050405020304" pitchFamily="18" charset="0"/>
               </a:rPr>
-              <a:t> Last 10 years.</a:t>
+              <a:t> </a:t>
+            </a:r>
+            <a:r>
+              <a:rPr lang="el-GR" sz="1800" kern="100" dirty="0" err="1">
+                <a:effectLst/>
+                <a:latin typeface="Aptos" panose="020B0004020202020204" pitchFamily="34" charset="0"/>
+                <a:ea typeface="Aptos" panose="020B0004020202020204" pitchFamily="34" charset="0"/>
+                <a:cs typeface="Times New Roman" panose="02020603050405020304" pitchFamily="18" charset="0"/>
+              </a:rPr>
+              <a:t>Last</a:t>
+            </a:r>
+            <a:r>
+              <a:rPr lang="el-GR" sz="1800" kern="100" dirty="0">
+                <a:effectLst/>
+                <a:latin typeface="Aptos" panose="020B0004020202020204" pitchFamily="34" charset="0"/>
+                <a:ea typeface="Aptos" panose="020B0004020202020204" pitchFamily="34" charset="0"/>
+                <a:cs typeface="Times New Roman" panose="02020603050405020304" pitchFamily="18" charset="0"/>
+              </a:rPr>
+              <a:t> </a:t>
+            </a:r>
+            <a:r>
+              <a:rPr lang="en-US" kern="100" dirty="0">
+                <a:latin typeface="Aptos" panose="020B0004020202020204" pitchFamily="34" charset="0"/>
+                <a:ea typeface="Aptos" panose="020B0004020202020204" pitchFamily="34" charset="0"/>
+                <a:cs typeface="Times New Roman" panose="02020603050405020304" pitchFamily="18" charset="0"/>
+              </a:rPr>
+              <a:t>20</a:t>
+            </a:r>
+            <a:r>
+              <a:rPr lang="el-GR" sz="1800" kern="100" dirty="0">
+                <a:effectLst/>
+                <a:latin typeface="Aptos" panose="020B0004020202020204" pitchFamily="34" charset="0"/>
+                <a:ea typeface="Aptos" panose="020B0004020202020204" pitchFamily="34" charset="0"/>
+                <a:cs typeface="Times New Roman" panose="02020603050405020304" pitchFamily="18" charset="0"/>
+              </a:rPr>
+              <a:t> </a:t>
+            </a:r>
+            <a:r>
+              <a:rPr lang="el-GR" sz="1800" kern="100" dirty="0" err="1">
+                <a:effectLst/>
+                <a:latin typeface="Aptos" panose="020B0004020202020204" pitchFamily="34" charset="0"/>
+                <a:ea typeface="Aptos" panose="020B0004020202020204" pitchFamily="34" charset="0"/>
+                <a:cs typeface="Times New Roman" panose="02020603050405020304" pitchFamily="18" charset="0"/>
+              </a:rPr>
+              <a:t>years</a:t>
             </a:r>
             <a:endParaRPr lang="fr-FR" sz="1800" kern="100" dirty="0">
               <a:effectLst/>
@@ -13594,14 +13937,8 @@
                 <a:ea typeface="Aptos" panose="020B0004020202020204" pitchFamily="34" charset="0"/>
                 <a:cs typeface="Times New Roman" panose="02020603050405020304" pitchFamily="18" charset="0"/>
               </a:rPr>
-              <a:t> S&amp;P 500 or Russell 1000 Value Index.</a:t>
+              <a:t> S&amp;P 500</a:t>
             </a:r>
-            <a:endParaRPr lang="fr-FR" sz="1800" kern="100" dirty="0">
-              <a:effectLst/>
-              <a:latin typeface="Aptos" panose="020B0004020202020204" pitchFamily="34" charset="0"/>
-              <a:ea typeface="Aptos" panose="020B0004020202020204" pitchFamily="34" charset="0"/>
-              <a:cs typeface="Times New Roman" panose="02020603050405020304" pitchFamily="18" charset="0"/>
-            </a:endParaRPr>
           </a:p>
           <a:p>
             <a:pPr marL="342900" lvl="0" indent="-342900">
@@ -13634,7 +13971,7 @@
                 <a:ea typeface="Aptos" panose="020B0004020202020204" pitchFamily="34" charset="0"/>
                 <a:cs typeface="Times New Roman" panose="02020603050405020304" pitchFamily="18" charset="0"/>
               </a:rPr>
-              <a:t> Annualized return, Sharpe ratio, max drawdown, hit ratio.</a:t>
+              <a:t> Annualized return, Annualized Volatility, Sharpe ratio, Max Drawdown, Var, CVar </a:t>
             </a:r>
             <a:endParaRPr lang="fr-FR" sz="1800" kern="100" dirty="0">
               <a:effectLst/>
@@ -13885,46 +14222,57 @@
           <a:chExt cx="0" cy="0"/>
         </a:xfrm>
       </p:grpSpPr>
-      <p:pic>
-        <p:nvPicPr>
-          <p:cNvPr id="6" name="Picture 5" descr="A graph of a stock market&#10;&#10;AI-generated content may be incorrect.">
+      <p:sp>
+        <p:nvSpPr>
+          <p:cNvPr id="4" name="TextBox 3">
             <a:extLst>
               <a:ext uri="{FF2B5EF4-FFF2-40B4-BE49-F238E27FC236}">
-                <a16:creationId xmlns:a16="http://schemas.microsoft.com/office/drawing/2014/main" id="{0C96C97C-1855-A37A-81D0-83020040F5D5}"/>
+                <a16:creationId xmlns:a16="http://schemas.microsoft.com/office/drawing/2014/main" id="{ECF369F8-A45E-A725-B2B9-BCAFAADCD144}"/>
               </a:ext>
             </a:extLst>
           </p:cNvPr>
-          <p:cNvPicPr>
-            <a:picLocks noChangeAspect="1"/>
-          </p:cNvPicPr>
+          <p:cNvSpPr txBox="1"/>
           <p:nvPr/>
-        </p:nvPicPr>
-        <p:blipFill>
-          <a:blip r:embed="rId3">
-            <a:extLst>
-              <a:ext uri="{28A0092B-C50C-407E-A947-70E740481C1C}">
-                <a14:useLocalDpi xmlns:a14="http://schemas.microsoft.com/office/drawing/2010/main" val="0"/>
-              </a:ext>
-            </a:extLst>
-          </a:blip>
-          <a:stretch>
-            <a:fillRect/>
-          </a:stretch>
-        </p:blipFill>
+        </p:nvSpPr>
         <p:spPr>
           <a:xfrm>
-            <a:off x="609589" y="228593"/>
-            <a:ext cx="10972822" cy="6400813"/>
+            <a:off x="4219911" y="458369"/>
+            <a:ext cx="3752178" cy="523220"/>
           </a:xfrm>
           <a:prstGeom prst="rect">
             <a:avLst/>
           </a:prstGeom>
+          <a:noFill/>
         </p:spPr>
-      </p:pic>
+        <p:txBody>
+          <a:bodyPr wrap="square" rtlCol="0">
+            <a:spAutoFit/>
+          </a:bodyPr>
+          <a:lstStyle/>
+          <a:p>
+            <a:pPr algn="ctr"/>
+            <a:r>
+              <a:rPr lang="de-DE" sz="2800" b="1" dirty="0">
+                <a:latin typeface="Aptos" panose="020B0004020202020204" pitchFamily="34" charset="0"/>
+              </a:rPr>
+              <a:t>Potential </a:t>
+            </a:r>
+            <a:r>
+              <a:rPr lang="de-DE" sz="2800" b="1" dirty="0" err="1">
+                <a:latin typeface="Aptos" panose="020B0004020202020204" pitchFamily="34" charset="0"/>
+              </a:rPr>
+              <a:t>Risks</a:t>
+            </a:r>
+            <a:endParaRPr lang="fr-FR" sz="2800" b="1" dirty="0">
+              <a:latin typeface="Aptos" panose="020B0004020202020204" pitchFamily="34" charset="0"/>
+            </a:endParaRPr>
+          </a:p>
+        </p:txBody>
+      </p:sp>
     </p:spTree>
     <p:extLst>
       <p:ext uri="{BB962C8B-B14F-4D97-AF65-F5344CB8AC3E}">
-        <p14:creationId xmlns:p14="http://schemas.microsoft.com/office/powerpoint/2010/main" val="506829346"/>
+        <p14:creationId xmlns:p14="http://schemas.microsoft.com/office/powerpoint/2010/main" val="91877853"/>
       </p:ext>
     </p:extLst>
   </p:cSld>

--- a/Presentation/Strategy_Pitch (2).pptx
+++ b/Presentation/Strategy_Pitch (2).pptx
@@ -5,10 +5,10 @@
     <p:sldMasterId id="2147483744" r:id="rId1"/>
   </p:sldMasterIdLst>
   <p:notesMasterIdLst>
-    <p:notesMasterId r:id="rId14"/>
+    <p:notesMasterId r:id="rId19"/>
   </p:notesMasterIdLst>
   <p:handoutMasterIdLst>
-    <p:handoutMasterId r:id="rId15"/>
+    <p:handoutMasterId r:id="rId20"/>
   </p:handoutMasterIdLst>
   <p:sldIdLst>
     <p:sldId id="256" r:id="rId2"/>
@@ -17,12 +17,17 @@
     <p:sldId id="276" r:id="rId5"/>
     <p:sldId id="291" r:id="rId6"/>
     <p:sldId id="292" r:id="rId7"/>
-    <p:sldId id="293" r:id="rId8"/>
-    <p:sldId id="294" r:id="rId9"/>
-    <p:sldId id="298" r:id="rId10"/>
+    <p:sldId id="298" r:id="rId8"/>
+    <p:sldId id="293" r:id="rId9"/>
+    <p:sldId id="294" r:id="rId10"/>
     <p:sldId id="295" r:id="rId11"/>
-    <p:sldId id="296" r:id="rId12"/>
-    <p:sldId id="297" r:id="rId13"/>
+    <p:sldId id="300" r:id="rId12"/>
+    <p:sldId id="301" r:id="rId13"/>
+    <p:sldId id="296" r:id="rId14"/>
+    <p:sldId id="297" r:id="rId15"/>
+    <p:sldId id="299" r:id="rId16"/>
+    <p:sldId id="302" r:id="rId17"/>
+    <p:sldId id="303" r:id="rId18"/>
   </p:sldIdLst>
   <p:sldSz cx="12192000" cy="6858000"/>
   <p:notesSz cx="6858000" cy="9144000"/>
@@ -7534,6 +7539,363 @@
           <a:chExt cx="0" cy="0"/>
         </a:xfrm>
       </p:grpSpPr>
+      <p:sp>
+        <p:nvSpPr>
+          <p:cNvPr id="2" name="TextBox 1">
+            <a:extLst>
+              <a:ext uri="{FF2B5EF4-FFF2-40B4-BE49-F238E27FC236}">
+                <a16:creationId xmlns:a16="http://schemas.microsoft.com/office/drawing/2014/main" id="{BB307793-7712-5E09-AF30-DE11FC656F79}"/>
+              </a:ext>
+            </a:extLst>
+          </p:cNvPr>
+          <p:cNvSpPr txBox="1"/>
+          <p:nvPr/>
+        </p:nvSpPr>
+        <p:spPr>
+          <a:xfrm>
+            <a:off x="616226" y="2274838"/>
+            <a:ext cx="9746974" cy="2308324"/>
+          </a:xfrm>
+          <a:prstGeom prst="rect">
+            <a:avLst/>
+          </a:prstGeom>
+          <a:noFill/>
+        </p:spPr>
+        <p:txBody>
+          <a:bodyPr wrap="square" rtlCol="0">
+            <a:spAutoFit/>
+          </a:bodyPr>
+          <a:lstStyle/>
+          <a:p>
+            <a:r>
+              <a:rPr lang="en-US" sz="2400" dirty="0">
+                <a:latin typeface="Aptos" panose="020B0004020202020204" pitchFamily="34" charset="0"/>
+              </a:rPr>
+              <a:t>Annual Return:   </a:t>
+            </a:r>
+            <a:r>
+              <a:rPr lang="en-US" sz="2400" b="1" dirty="0">
+                <a:latin typeface="Aptos" panose="020B0004020202020204" pitchFamily="34" charset="0"/>
+              </a:rPr>
+              <a:t>12.67%</a:t>
+            </a:r>
+            <a:r>
+              <a:rPr lang="en-US" sz="2400" dirty="0">
+                <a:latin typeface="Aptos" panose="020B0004020202020204" pitchFamily="34" charset="0"/>
+              </a:rPr>
+              <a:t> | Benchmark: </a:t>
+            </a:r>
+            <a:r>
+              <a:rPr lang="en-US" sz="2400" b="1" dirty="0">
+                <a:latin typeface="Aptos" panose="020B0004020202020204" pitchFamily="34" charset="0"/>
+              </a:rPr>
+              <a:t>8.10%</a:t>
+            </a:r>
+          </a:p>
+          <a:p>
+            <a:r>
+              <a:rPr lang="en-US" sz="2400" dirty="0">
+                <a:latin typeface="Aptos" panose="020B0004020202020204" pitchFamily="34" charset="0"/>
+              </a:rPr>
+              <a:t>Annual Vol:      </a:t>
+            </a:r>
+            <a:r>
+              <a:rPr lang="en-US" sz="2400" b="1" dirty="0">
+                <a:latin typeface="Aptos" panose="020B0004020202020204" pitchFamily="34" charset="0"/>
+              </a:rPr>
+              <a:t>18.96%</a:t>
+            </a:r>
+            <a:r>
+              <a:rPr lang="en-US" sz="2400" dirty="0">
+                <a:latin typeface="Aptos" panose="020B0004020202020204" pitchFamily="34" charset="0"/>
+              </a:rPr>
+              <a:t> | Benchmark: </a:t>
+            </a:r>
+            <a:r>
+              <a:rPr lang="en-US" sz="2400" b="1" dirty="0">
+                <a:latin typeface="Aptos" panose="020B0004020202020204" pitchFamily="34" charset="0"/>
+              </a:rPr>
+              <a:t>19.20%</a:t>
+            </a:r>
+          </a:p>
+          <a:p>
+            <a:r>
+              <a:rPr lang="en-US" sz="2400" dirty="0">
+                <a:latin typeface="Aptos" panose="020B0004020202020204" pitchFamily="34" charset="0"/>
+              </a:rPr>
+              <a:t>Sharpe Ratio:    </a:t>
+            </a:r>
+            <a:r>
+              <a:rPr lang="en-US" sz="2400" b="1" dirty="0">
+                <a:latin typeface="Aptos" panose="020B0004020202020204" pitchFamily="34" charset="0"/>
+              </a:rPr>
+              <a:t>0.67</a:t>
+            </a:r>
+            <a:r>
+              <a:rPr lang="en-US" sz="2400" dirty="0">
+                <a:latin typeface="Aptos" panose="020B0004020202020204" pitchFamily="34" charset="0"/>
+              </a:rPr>
+              <a:t> | Benchmark: </a:t>
+            </a:r>
+            <a:r>
+              <a:rPr lang="en-US" sz="2400" b="1" dirty="0">
+                <a:latin typeface="Aptos" panose="020B0004020202020204" pitchFamily="34" charset="0"/>
+              </a:rPr>
+              <a:t>0.42</a:t>
+            </a:r>
+          </a:p>
+          <a:p>
+            <a:r>
+              <a:rPr lang="en-US" sz="2400" dirty="0">
+                <a:latin typeface="Aptos" panose="020B0004020202020204" pitchFamily="34" charset="0"/>
+              </a:rPr>
+              <a:t>Max Drawdown: </a:t>
+            </a:r>
+            <a:r>
+              <a:rPr lang="en-US" sz="2400" b="1" dirty="0">
+                <a:latin typeface="Aptos" panose="020B0004020202020204" pitchFamily="34" charset="0"/>
+              </a:rPr>
+              <a:t>-41.67% </a:t>
+            </a:r>
+            <a:r>
+              <a:rPr lang="en-US" sz="2400" dirty="0">
+                <a:latin typeface="Aptos" panose="020B0004020202020204" pitchFamily="34" charset="0"/>
+              </a:rPr>
+              <a:t>| Benchmark: </a:t>
+            </a:r>
+            <a:r>
+              <a:rPr lang="en-US" sz="2400" b="1" dirty="0">
+                <a:latin typeface="Aptos" panose="020B0004020202020204" pitchFamily="34" charset="0"/>
+              </a:rPr>
+              <a:t>-56.75%</a:t>
+            </a:r>
+          </a:p>
+          <a:p>
+            <a:r>
+              <a:rPr lang="en-US" sz="2400" dirty="0">
+                <a:latin typeface="Aptos" panose="020B0004020202020204" pitchFamily="34" charset="0"/>
+              </a:rPr>
+              <a:t>95% </a:t>
+            </a:r>
+            <a:r>
+              <a:rPr lang="en-US" sz="2400" dirty="0" err="1">
+                <a:latin typeface="Aptos" panose="020B0004020202020204" pitchFamily="34" charset="0"/>
+              </a:rPr>
+              <a:t>VaR</a:t>
+            </a:r>
+            <a:r>
+              <a:rPr lang="en-US" sz="2400" dirty="0">
+                <a:latin typeface="Aptos" panose="020B0004020202020204" pitchFamily="34" charset="0"/>
+              </a:rPr>
+              <a:t> (daily): </a:t>
+            </a:r>
+            <a:r>
+              <a:rPr lang="en-US" sz="2400" b="1" dirty="0">
+                <a:latin typeface="Aptos" panose="020B0004020202020204" pitchFamily="34" charset="0"/>
+              </a:rPr>
+              <a:t>-1.84% </a:t>
+            </a:r>
+            <a:r>
+              <a:rPr lang="en-US" sz="2400" dirty="0">
+                <a:latin typeface="Aptos" panose="020B0004020202020204" pitchFamily="34" charset="0"/>
+              </a:rPr>
+              <a:t>| Benchmark: </a:t>
+            </a:r>
+            <a:r>
+              <a:rPr lang="en-US" sz="2400" b="1" dirty="0">
+                <a:latin typeface="Aptos" panose="020B0004020202020204" pitchFamily="34" charset="0"/>
+              </a:rPr>
+              <a:t>-1.81%</a:t>
+            </a:r>
+          </a:p>
+          <a:p>
+            <a:r>
+              <a:rPr lang="en-US" sz="2400" dirty="0">
+                <a:latin typeface="Aptos" panose="020B0004020202020204" pitchFamily="34" charset="0"/>
+              </a:rPr>
+              <a:t>95% CVaR (Expected daily Shortfall): </a:t>
+            </a:r>
+            <a:r>
+              <a:rPr lang="en-US" sz="2400" b="1" dirty="0">
+                <a:latin typeface="Aptos" panose="020B0004020202020204" pitchFamily="34" charset="0"/>
+              </a:rPr>
+              <a:t>-2.87% </a:t>
+            </a:r>
+            <a:r>
+              <a:rPr lang="en-US" sz="2400" dirty="0">
+                <a:latin typeface="Aptos" panose="020B0004020202020204" pitchFamily="34" charset="0"/>
+              </a:rPr>
+              <a:t>| Benchmark: </a:t>
+            </a:r>
+            <a:r>
+              <a:rPr lang="en-US" sz="2400" b="1" dirty="0">
+                <a:latin typeface="Aptos" panose="020B0004020202020204" pitchFamily="34" charset="0"/>
+              </a:rPr>
+              <a:t>-2.98%</a:t>
+            </a:r>
+          </a:p>
+        </p:txBody>
+      </p:sp>
+      <p:sp>
+        <p:nvSpPr>
+          <p:cNvPr id="3" name="TextBox 2">
+            <a:extLst>
+              <a:ext uri="{FF2B5EF4-FFF2-40B4-BE49-F238E27FC236}">
+                <a16:creationId xmlns:a16="http://schemas.microsoft.com/office/drawing/2014/main" id="{05C5A349-F906-E4F6-645B-5F095661990F}"/>
+              </a:ext>
+            </a:extLst>
+          </p:cNvPr>
+          <p:cNvSpPr txBox="1"/>
+          <p:nvPr/>
+        </p:nvSpPr>
+        <p:spPr>
+          <a:xfrm>
+            <a:off x="4288710" y="304799"/>
+            <a:ext cx="3614580" cy="523220"/>
+          </a:xfrm>
+          <a:prstGeom prst="rect">
+            <a:avLst/>
+          </a:prstGeom>
+          <a:noFill/>
+        </p:spPr>
+        <p:txBody>
+          <a:bodyPr wrap="none" rtlCol="0">
+            <a:spAutoFit/>
+          </a:bodyPr>
+          <a:lstStyle/>
+          <a:p>
+            <a:pPr algn="ctr"/>
+            <a:r>
+              <a:rPr lang="en-US" sz="2800" b="1" dirty="0">
+                <a:latin typeface="Aptos" panose="020B0004020202020204" pitchFamily="34" charset="0"/>
+              </a:rPr>
+              <a:t>Performance Metrics</a:t>
+            </a:r>
+          </a:p>
+        </p:txBody>
+      </p:sp>
+    </p:spTree>
+    <p:extLst>
+      <p:ext uri="{BB962C8B-B14F-4D97-AF65-F5344CB8AC3E}">
+        <p14:creationId xmlns:p14="http://schemas.microsoft.com/office/powerpoint/2010/main" val="1853070364"/>
+      </p:ext>
+    </p:extLst>
+  </p:cSld>
+  <p:clrMapOvr>
+    <a:masterClrMapping/>
+  </p:clrMapOvr>
+  <mc:AlternateContent xmlns:mc="http://schemas.openxmlformats.org/markup-compatibility/2006" xmlns:p14="http://schemas.microsoft.com/office/powerpoint/2010/main">
+    <mc:Choice Requires="p14">
+      <p:transition spd="slow" p14:dur="1500">
+        <p:pull/>
+      </p:transition>
+    </mc:Choice>
+    <mc:Fallback xmlns="">
+      <p:transition spd="slow">
+        <p:pull/>
+      </p:transition>
+    </mc:Fallback>
+  </mc:AlternateContent>
+</p:sld>
+</file>
+
+<file path=ppt/slides/slide12.xml><?xml version="1.0" encoding="utf-8"?>
+<p:sld xmlns:a="http://schemas.openxmlformats.org/drawingml/2006/main" xmlns:r="http://schemas.openxmlformats.org/officeDocument/2006/relationships" xmlns:p="http://schemas.openxmlformats.org/presentationml/2006/main">
+  <p:cSld>
+    <p:spTree>
+      <p:nvGrpSpPr>
+        <p:cNvPr id="1" name=""/>
+        <p:cNvGrpSpPr/>
+        <p:nvPr/>
+      </p:nvGrpSpPr>
+      <p:grpSpPr>
+        <a:xfrm>
+          <a:off x="0" y="0"/>
+          <a:ext cx="0" cy="0"/>
+          <a:chOff x="0" y="0"/>
+          <a:chExt cx="0" cy="0"/>
+        </a:xfrm>
+      </p:grpSpPr>
+      <p:sp>
+        <p:nvSpPr>
+          <p:cNvPr id="2" name="TextBox 1">
+            <a:extLst>
+              <a:ext uri="{FF2B5EF4-FFF2-40B4-BE49-F238E27FC236}">
+                <a16:creationId xmlns:a16="http://schemas.microsoft.com/office/drawing/2014/main" id="{616CBC8D-38A6-5761-7209-FD04A5A3AC10}"/>
+              </a:ext>
+            </a:extLst>
+          </p:cNvPr>
+          <p:cNvSpPr txBox="1"/>
+          <p:nvPr/>
+        </p:nvSpPr>
+        <p:spPr>
+          <a:xfrm>
+            <a:off x="1941443" y="2644170"/>
+            <a:ext cx="8309113" cy="1569660"/>
+          </a:xfrm>
+          <a:prstGeom prst="rect">
+            <a:avLst/>
+          </a:prstGeom>
+          <a:noFill/>
+        </p:spPr>
+        <p:txBody>
+          <a:bodyPr wrap="square" rtlCol="0">
+            <a:spAutoFit/>
+          </a:bodyPr>
+          <a:lstStyle/>
+          <a:p>
+            <a:pPr algn="ctr"/>
+            <a:r>
+              <a:rPr lang="en-US" sz="4800" b="1" dirty="0">
+                <a:latin typeface="Aptos" panose="020B0004020202020204" pitchFamily="34" charset="0"/>
+              </a:rPr>
+              <a:t>Stress Testing the Strategy in times of Crises</a:t>
+            </a:r>
+          </a:p>
+        </p:txBody>
+      </p:sp>
+    </p:spTree>
+    <p:extLst>
+      <p:ext uri="{BB962C8B-B14F-4D97-AF65-F5344CB8AC3E}">
+        <p14:creationId xmlns:p14="http://schemas.microsoft.com/office/powerpoint/2010/main" val="833001626"/>
+      </p:ext>
+    </p:extLst>
+  </p:cSld>
+  <p:clrMapOvr>
+    <a:masterClrMapping/>
+  </p:clrMapOvr>
+  <mc:AlternateContent xmlns:mc="http://schemas.openxmlformats.org/markup-compatibility/2006" xmlns:p14="http://schemas.microsoft.com/office/powerpoint/2010/main">
+    <mc:Choice Requires="p14">
+      <p:transition spd="slow" p14:dur="1500">
+        <p:pull/>
+      </p:transition>
+    </mc:Choice>
+    <mc:Fallback xmlns="">
+      <p:transition spd="slow">
+        <p:pull/>
+      </p:transition>
+    </mc:Fallback>
+  </mc:AlternateContent>
+</p:sld>
+</file>
+
+<file path=ppt/slides/slide13.xml><?xml version="1.0" encoding="utf-8"?>
+<p:sld xmlns:a="http://schemas.openxmlformats.org/drawingml/2006/main" xmlns:r="http://schemas.openxmlformats.org/officeDocument/2006/relationships" xmlns:p="http://schemas.openxmlformats.org/presentationml/2006/main">
+  <p:cSld>
+    <p:spTree>
+      <p:nvGrpSpPr>
+        <p:cNvPr id="1" name=""/>
+        <p:cNvGrpSpPr/>
+        <p:nvPr/>
+      </p:nvGrpSpPr>
+      <p:grpSpPr>
+        <a:xfrm>
+          <a:off x="0" y="0"/>
+          <a:ext cx="0" cy="0"/>
+          <a:chOff x="0" y="0"/>
+          <a:chExt cx="0" cy="0"/>
+        </a:xfrm>
+      </p:grpSpPr>
       <p:pic>
         <p:nvPicPr>
           <p:cNvPr id="3" name="Picture 2" descr="A graph on a black background&#10;&#10;AI-generated content may be incorrect.">
@@ -7595,7 +7957,7 @@
 </p:sld>
 </file>
 
-<file path=ppt/slides/slide12.xml><?xml version="1.0" encoding="utf-8"?>
+<file path=ppt/slides/slide14.xml><?xml version="1.0" encoding="utf-8"?>
 <p:sld xmlns:a="http://schemas.openxmlformats.org/drawingml/2006/main" xmlns:r="http://schemas.openxmlformats.org/officeDocument/2006/relationships" xmlns:p="http://schemas.openxmlformats.org/presentationml/2006/main">
   <p:cSld>
     <p:spTree>
@@ -7652,6 +8014,541 @@
     <p:extLst>
       <p:ext uri="{BB962C8B-B14F-4D97-AF65-F5344CB8AC3E}">
         <p14:creationId xmlns:p14="http://schemas.microsoft.com/office/powerpoint/2010/main" val="479521948"/>
+      </p:ext>
+    </p:extLst>
+  </p:cSld>
+  <p:clrMapOvr>
+    <a:masterClrMapping/>
+  </p:clrMapOvr>
+  <mc:AlternateContent xmlns:mc="http://schemas.openxmlformats.org/markup-compatibility/2006" xmlns:p14="http://schemas.microsoft.com/office/powerpoint/2010/main">
+    <mc:Choice Requires="p14">
+      <p:transition spd="slow" p14:dur="1500">
+        <p:pull/>
+      </p:transition>
+    </mc:Choice>
+    <mc:Fallback xmlns="">
+      <p:transition spd="slow">
+        <p:pull/>
+      </p:transition>
+    </mc:Fallback>
+  </mc:AlternateContent>
+</p:sld>
+</file>
+
+<file path=ppt/slides/slide15.xml><?xml version="1.0" encoding="utf-8"?>
+<p:sld xmlns:a="http://schemas.openxmlformats.org/drawingml/2006/main" xmlns:r="http://schemas.openxmlformats.org/officeDocument/2006/relationships" xmlns:p="http://schemas.openxmlformats.org/presentationml/2006/main">
+  <p:cSld>
+    <p:spTree>
+      <p:nvGrpSpPr>
+        <p:cNvPr id="1" name=""/>
+        <p:cNvGrpSpPr/>
+        <p:nvPr/>
+      </p:nvGrpSpPr>
+      <p:grpSpPr>
+        <a:xfrm>
+          <a:off x="0" y="0"/>
+          <a:ext cx="0" cy="0"/>
+          <a:chOff x="0" y="0"/>
+          <a:chExt cx="0" cy="0"/>
+        </a:xfrm>
+      </p:grpSpPr>
+      <p:sp>
+        <p:nvSpPr>
+          <p:cNvPr id="2" name="TextBox 1">
+            <a:extLst>
+              <a:ext uri="{FF2B5EF4-FFF2-40B4-BE49-F238E27FC236}">
+                <a16:creationId xmlns:a16="http://schemas.microsoft.com/office/drawing/2014/main" id="{CB2D0A2C-D804-8711-DB7C-B9D4B16C9C84}"/>
+              </a:ext>
+            </a:extLst>
+          </p:cNvPr>
+          <p:cNvSpPr txBox="1"/>
+          <p:nvPr/>
+        </p:nvSpPr>
+        <p:spPr>
+          <a:xfrm>
+            <a:off x="2955235" y="3013501"/>
+            <a:ext cx="6281530" cy="830997"/>
+          </a:xfrm>
+          <a:prstGeom prst="rect">
+            <a:avLst/>
+          </a:prstGeom>
+          <a:noFill/>
+        </p:spPr>
+        <p:txBody>
+          <a:bodyPr wrap="square" rtlCol="0">
+            <a:spAutoFit/>
+          </a:bodyPr>
+          <a:lstStyle/>
+          <a:p>
+            <a:pPr algn="ctr"/>
+            <a:r>
+              <a:rPr lang="en-US" sz="4800" b="1" dirty="0">
+                <a:latin typeface="Aptos" panose="020B0004020202020204" pitchFamily="34" charset="0"/>
+              </a:rPr>
+              <a:t>Is it Realistic?</a:t>
+            </a:r>
+          </a:p>
+        </p:txBody>
+      </p:sp>
+    </p:spTree>
+    <p:extLst>
+      <p:ext uri="{BB962C8B-B14F-4D97-AF65-F5344CB8AC3E}">
+        <p14:creationId xmlns:p14="http://schemas.microsoft.com/office/powerpoint/2010/main" val="4035062515"/>
+      </p:ext>
+    </p:extLst>
+  </p:cSld>
+  <p:clrMapOvr>
+    <a:masterClrMapping/>
+  </p:clrMapOvr>
+  <mc:AlternateContent xmlns:mc="http://schemas.openxmlformats.org/markup-compatibility/2006" xmlns:p14="http://schemas.microsoft.com/office/powerpoint/2010/main">
+    <mc:Choice Requires="p14">
+      <p:transition spd="slow" p14:dur="1500">
+        <p:pull/>
+      </p:transition>
+    </mc:Choice>
+    <mc:Fallback xmlns="">
+      <p:transition spd="slow">
+        <p:pull/>
+      </p:transition>
+    </mc:Fallback>
+  </mc:AlternateContent>
+</p:sld>
+</file>
+
+<file path=ppt/slides/slide16.xml><?xml version="1.0" encoding="utf-8"?>
+<p:sld xmlns:a="http://schemas.openxmlformats.org/drawingml/2006/main" xmlns:r="http://schemas.openxmlformats.org/officeDocument/2006/relationships" xmlns:p="http://schemas.openxmlformats.org/presentationml/2006/main">
+  <p:cSld>
+    <p:spTree>
+      <p:nvGrpSpPr>
+        <p:cNvPr id="1" name=""/>
+        <p:cNvGrpSpPr/>
+        <p:nvPr/>
+      </p:nvGrpSpPr>
+      <p:grpSpPr>
+        <a:xfrm>
+          <a:off x="0" y="0"/>
+          <a:ext cx="0" cy="0"/>
+          <a:chOff x="0" y="0"/>
+          <a:chExt cx="0" cy="0"/>
+        </a:xfrm>
+      </p:grpSpPr>
+      <p:sp>
+        <p:nvSpPr>
+          <p:cNvPr id="2" name="TextBox 1">
+            <a:extLst>
+              <a:ext uri="{FF2B5EF4-FFF2-40B4-BE49-F238E27FC236}">
+                <a16:creationId xmlns:a16="http://schemas.microsoft.com/office/drawing/2014/main" id="{E98644FD-0B70-CA7D-A674-10387ECE2F91}"/>
+              </a:ext>
+            </a:extLst>
+          </p:cNvPr>
+          <p:cNvSpPr txBox="1"/>
+          <p:nvPr/>
+        </p:nvSpPr>
+        <p:spPr>
+          <a:xfrm>
+            <a:off x="1020418" y="2459504"/>
+            <a:ext cx="7275443" cy="1938992"/>
+          </a:xfrm>
+          <a:prstGeom prst="rect">
+            <a:avLst/>
+          </a:prstGeom>
+          <a:noFill/>
+        </p:spPr>
+        <p:txBody>
+          <a:bodyPr wrap="square" rtlCol="0">
+            <a:spAutoFit/>
+          </a:bodyPr>
+          <a:lstStyle/>
+          <a:p>
+            <a:pPr marL="285750" indent="-285750">
+              <a:buFont typeface="Arial" panose="020B0604020202020204" pitchFamily="34" charset="0"/>
+              <a:buChar char="•"/>
+            </a:pPr>
+            <a:r>
+              <a:rPr lang="en-US" sz="2400" b="1" dirty="0">
+                <a:latin typeface="Aptos" panose="020B0004020202020204" pitchFamily="34" charset="0"/>
+              </a:rPr>
+              <a:t>Liquidity</a:t>
+            </a:r>
+            <a:r>
+              <a:rPr lang="en-US" sz="2400" dirty="0">
+                <a:latin typeface="Aptos" panose="020B0004020202020204" pitchFamily="34" charset="0"/>
+              </a:rPr>
+              <a:t> (S&amp;P 500 Stocks)</a:t>
+            </a:r>
+          </a:p>
+          <a:p>
+            <a:pPr marL="285750" indent="-285750">
+              <a:buFont typeface="Arial" panose="020B0604020202020204" pitchFamily="34" charset="0"/>
+              <a:buChar char="•"/>
+            </a:pPr>
+            <a:r>
+              <a:rPr lang="en-US" sz="2400" b="1" dirty="0">
+                <a:latin typeface="Aptos" panose="020B0004020202020204" pitchFamily="34" charset="0"/>
+              </a:rPr>
+              <a:t>Academically Proven Anomalies </a:t>
+            </a:r>
+            <a:r>
+              <a:rPr lang="en-US" sz="2400" dirty="0">
+                <a:latin typeface="Aptos" panose="020B0004020202020204" pitchFamily="34" charset="0"/>
+              </a:rPr>
+              <a:t>(Fama &amp; French (1992), </a:t>
+            </a:r>
+            <a:r>
+              <a:rPr lang="en-US" sz="2400" dirty="0" err="1">
+                <a:latin typeface="Aptos" panose="020B0004020202020204" pitchFamily="34" charset="0"/>
+              </a:rPr>
+              <a:t>Asness</a:t>
+            </a:r>
+            <a:r>
+              <a:rPr lang="en-US" sz="2400" dirty="0">
+                <a:latin typeface="Aptos" panose="020B0004020202020204" pitchFamily="34" charset="0"/>
+              </a:rPr>
+              <a:t> et al. (2013) (2019))</a:t>
+            </a:r>
+          </a:p>
+          <a:p>
+            <a:pPr marL="285750" indent="-285750">
+              <a:buFont typeface="Arial" panose="020B0604020202020204" pitchFamily="34" charset="0"/>
+              <a:buChar char="•"/>
+            </a:pPr>
+            <a:r>
+              <a:rPr lang="en-US" sz="2400" b="1" dirty="0">
+                <a:latin typeface="Aptos" panose="020B0004020202020204" pitchFamily="34" charset="0"/>
+              </a:rPr>
+              <a:t>Minimal Trading </a:t>
+            </a:r>
+            <a:r>
+              <a:rPr lang="en-US" sz="2400" b="1" dirty="0" err="1">
+                <a:latin typeface="Aptos" panose="020B0004020202020204" pitchFamily="34" charset="0"/>
+              </a:rPr>
+              <a:t>Commisions</a:t>
+            </a:r>
+            <a:r>
+              <a:rPr lang="en-US" sz="2400" b="1" dirty="0">
+                <a:latin typeface="Aptos" panose="020B0004020202020204" pitchFamily="34" charset="0"/>
+              </a:rPr>
+              <a:t> </a:t>
+            </a:r>
+            <a:r>
+              <a:rPr lang="en-US" sz="2400" dirty="0">
+                <a:latin typeface="Aptos" panose="020B0004020202020204" pitchFamily="34" charset="0"/>
+              </a:rPr>
+              <a:t>(Semi-Annual Rebalancing)</a:t>
+            </a:r>
+          </a:p>
+        </p:txBody>
+      </p:sp>
+      <p:sp>
+        <p:nvSpPr>
+          <p:cNvPr id="3" name="TextBox 2">
+            <a:extLst>
+              <a:ext uri="{FF2B5EF4-FFF2-40B4-BE49-F238E27FC236}">
+                <a16:creationId xmlns:a16="http://schemas.microsoft.com/office/drawing/2014/main" id="{83D3E21C-5EB4-9BBF-F71C-531C41F0BB3B}"/>
+              </a:ext>
+            </a:extLst>
+          </p:cNvPr>
+          <p:cNvSpPr txBox="1"/>
+          <p:nvPr/>
+        </p:nvSpPr>
+        <p:spPr>
+          <a:xfrm>
+            <a:off x="4983259" y="490331"/>
+            <a:ext cx="2225481" cy="584775"/>
+          </a:xfrm>
+          <a:prstGeom prst="rect">
+            <a:avLst/>
+          </a:prstGeom>
+          <a:noFill/>
+        </p:spPr>
+        <p:txBody>
+          <a:bodyPr wrap="none" rtlCol="0">
+            <a:spAutoFit/>
+          </a:bodyPr>
+          <a:lstStyle/>
+          <a:p>
+            <a:r>
+              <a:rPr lang="en-US" sz="3200" b="1" dirty="0">
+                <a:latin typeface="Aptos" panose="020B0004020202020204" pitchFamily="34" charset="0"/>
+              </a:rPr>
+              <a:t>Real World</a:t>
+            </a:r>
+          </a:p>
+        </p:txBody>
+      </p:sp>
+    </p:spTree>
+    <p:extLst>
+      <p:ext uri="{BB962C8B-B14F-4D97-AF65-F5344CB8AC3E}">
+        <p14:creationId xmlns:p14="http://schemas.microsoft.com/office/powerpoint/2010/main" val="4062003524"/>
+      </p:ext>
+    </p:extLst>
+  </p:cSld>
+  <p:clrMapOvr>
+    <a:masterClrMapping/>
+  </p:clrMapOvr>
+  <mc:AlternateContent xmlns:mc="http://schemas.openxmlformats.org/markup-compatibility/2006" xmlns:p14="http://schemas.microsoft.com/office/powerpoint/2010/main">
+    <mc:Choice Requires="p14">
+      <p:transition spd="slow" p14:dur="1500">
+        <p:pull/>
+      </p:transition>
+    </mc:Choice>
+    <mc:Fallback xmlns="">
+      <p:transition spd="slow">
+        <p:pull/>
+      </p:transition>
+    </mc:Fallback>
+  </mc:AlternateContent>
+</p:sld>
+</file>
+
+<file path=ppt/slides/slide17.xml><?xml version="1.0" encoding="utf-8"?>
+<p:sld xmlns:a="http://schemas.openxmlformats.org/drawingml/2006/main" xmlns:r="http://schemas.openxmlformats.org/officeDocument/2006/relationships" xmlns:p="http://schemas.openxmlformats.org/presentationml/2006/main">
+  <p:cSld>
+    <p:spTree>
+      <p:nvGrpSpPr>
+        <p:cNvPr id="1" name=""/>
+        <p:cNvGrpSpPr/>
+        <p:nvPr/>
+      </p:nvGrpSpPr>
+      <p:grpSpPr>
+        <a:xfrm>
+          <a:off x="0" y="0"/>
+          <a:ext cx="0" cy="0"/>
+          <a:chOff x="0" y="0"/>
+          <a:chExt cx="0" cy="0"/>
+        </a:xfrm>
+      </p:grpSpPr>
+      <p:sp>
+        <p:nvSpPr>
+          <p:cNvPr id="2" name="TextBox 1">
+            <a:extLst>
+              <a:ext uri="{FF2B5EF4-FFF2-40B4-BE49-F238E27FC236}">
+                <a16:creationId xmlns:a16="http://schemas.microsoft.com/office/drawing/2014/main" id="{0907F16F-8618-E488-5A2D-45DE734A8426}"/>
+              </a:ext>
+            </a:extLst>
+          </p:cNvPr>
+          <p:cNvSpPr txBox="1"/>
+          <p:nvPr/>
+        </p:nvSpPr>
+        <p:spPr>
+          <a:xfrm>
+            <a:off x="2757203" y="728870"/>
+            <a:ext cx="6677597" cy="830997"/>
+          </a:xfrm>
+          <a:prstGeom prst="rect">
+            <a:avLst/>
+          </a:prstGeom>
+          <a:noFill/>
+        </p:spPr>
+        <p:txBody>
+          <a:bodyPr wrap="none" rtlCol="0">
+            <a:spAutoFit/>
+          </a:bodyPr>
+          <a:lstStyle/>
+          <a:p>
+            <a:pPr algn="ctr"/>
+            <a:r>
+              <a:rPr lang="en-US" sz="4800" b="1" dirty="0">
+                <a:latin typeface="Aptos" panose="020B0004020202020204" pitchFamily="34" charset="0"/>
+              </a:rPr>
+              <a:t>Thank you for your time</a:t>
+            </a:r>
+          </a:p>
+        </p:txBody>
+      </p:sp>
+      <p:sp>
+        <p:nvSpPr>
+          <p:cNvPr id="3" name="TextBox 2">
+            <a:extLst>
+              <a:ext uri="{FF2B5EF4-FFF2-40B4-BE49-F238E27FC236}">
+                <a16:creationId xmlns:a16="http://schemas.microsoft.com/office/drawing/2014/main" id="{53F9E714-8DF4-6854-F113-3B5E20BC9F34}"/>
+              </a:ext>
+            </a:extLst>
+          </p:cNvPr>
+          <p:cNvSpPr txBox="1"/>
+          <p:nvPr/>
+        </p:nvSpPr>
+        <p:spPr>
+          <a:xfrm>
+            <a:off x="463826" y="3244334"/>
+            <a:ext cx="4664765" cy="923330"/>
+          </a:xfrm>
+          <a:prstGeom prst="rect">
+            <a:avLst/>
+          </a:prstGeom>
+          <a:noFill/>
+        </p:spPr>
+        <p:txBody>
+          <a:bodyPr wrap="square" rtlCol="0">
+            <a:spAutoFit/>
+          </a:bodyPr>
+          <a:lstStyle/>
+          <a:p>
+            <a:r>
+              <a:rPr lang="en-US" dirty="0">
+                <a:latin typeface="Aptos" panose="020B0004020202020204" pitchFamily="34" charset="0"/>
+              </a:rPr>
+              <a:t>All the </a:t>
+            </a:r>
+            <a:r>
+              <a:rPr lang="en-US" b="1" dirty="0">
+                <a:latin typeface="Aptos" panose="020B0004020202020204" pitchFamily="34" charset="0"/>
+              </a:rPr>
+              <a:t>updated</a:t>
+            </a:r>
+            <a:r>
+              <a:rPr lang="en-US" dirty="0">
+                <a:latin typeface="Aptos" panose="020B0004020202020204" pitchFamily="34" charset="0"/>
+              </a:rPr>
+              <a:t> code can be found at: </a:t>
+            </a:r>
+            <a:r>
+              <a:rPr lang="en-US" dirty="0">
+                <a:latin typeface="Aptos" panose="020B0004020202020204" pitchFamily="34" charset="0"/>
+                <a:hlinkClick r:id="rId2"/>
+              </a:rPr>
+              <a:t>https://github.com/GeorgeMoschovis/Value-Quality-Momentum-Strategy </a:t>
+            </a:r>
+            <a:endParaRPr lang="en-US" dirty="0">
+              <a:latin typeface="Aptos" panose="020B0004020202020204" pitchFamily="34" charset="0"/>
+            </a:endParaRPr>
+          </a:p>
+        </p:txBody>
+      </p:sp>
+      <p:sp>
+        <p:nvSpPr>
+          <p:cNvPr id="5" name="TextBox 4">
+            <a:extLst>
+              <a:ext uri="{FF2B5EF4-FFF2-40B4-BE49-F238E27FC236}">
+                <a16:creationId xmlns:a16="http://schemas.microsoft.com/office/drawing/2014/main" id="{B54B18FC-0EDC-0B09-7A43-C26D39B91CEB}"/>
+              </a:ext>
+            </a:extLst>
+          </p:cNvPr>
+          <p:cNvSpPr txBox="1"/>
+          <p:nvPr/>
+        </p:nvSpPr>
+        <p:spPr>
+          <a:xfrm>
+            <a:off x="463826" y="4898192"/>
+            <a:ext cx="6096000" cy="830997"/>
+          </a:xfrm>
+          <a:prstGeom prst="rect">
+            <a:avLst/>
+          </a:prstGeom>
+          <a:noFill/>
+        </p:spPr>
+        <p:txBody>
+          <a:bodyPr wrap="square">
+            <a:spAutoFit/>
+          </a:bodyPr>
+          <a:lstStyle/>
+          <a:p>
+            <a:r>
+              <a:rPr lang="de-DE" sz="2400" b="1" dirty="0">
+                <a:latin typeface="Aptos" panose="020B0004020202020204" pitchFamily="34" charset="0"/>
+              </a:rPr>
+              <a:t>George Moschovis &amp; Florent </a:t>
+            </a:r>
+            <a:r>
+              <a:rPr lang="de-DE" sz="2400" b="1" dirty="0" err="1">
+                <a:latin typeface="Aptos" panose="020B0004020202020204" pitchFamily="34" charset="0"/>
+              </a:rPr>
+              <a:t>Yigbe</a:t>
+            </a:r>
+            <a:endParaRPr lang="de-DE" sz="2400" b="1" dirty="0">
+              <a:latin typeface="Aptos" panose="020B0004020202020204" pitchFamily="34" charset="0"/>
+            </a:endParaRPr>
+          </a:p>
+          <a:p>
+            <a:r>
+              <a:rPr lang="de-DE" sz="2400" b="1" dirty="0">
+                <a:latin typeface="Aptos" panose="020B0004020202020204" pitchFamily="34" charset="0"/>
+              </a:rPr>
+              <a:t>G_5 Gamma Gurus</a:t>
+            </a:r>
+            <a:endParaRPr lang="fr-FR" sz="2400" b="1" dirty="0">
+              <a:latin typeface="Aptos" panose="020B0004020202020204" pitchFamily="34" charset="0"/>
+            </a:endParaRPr>
+          </a:p>
+        </p:txBody>
+      </p:sp>
+      <p:pic>
+        <p:nvPicPr>
+          <p:cNvPr id="11" name="Picture 10" descr="A black and white logo&#10;&#10;AI-generated content may be incorrect.">
+            <a:extLst>
+              <a:ext uri="{FF2B5EF4-FFF2-40B4-BE49-F238E27FC236}">
+                <a16:creationId xmlns:a16="http://schemas.microsoft.com/office/drawing/2014/main" id="{3F1950A6-868E-740C-F579-923F68BF23A3}"/>
+              </a:ext>
+            </a:extLst>
+          </p:cNvPr>
+          <p:cNvPicPr>
+            <a:picLocks noChangeAspect="1"/>
+          </p:cNvPicPr>
+          <p:nvPr/>
+        </p:nvPicPr>
+        <p:blipFill>
+          <a:blip r:embed="rId3">
+            <a:extLst>
+              <a:ext uri="{28A0092B-C50C-407E-A947-70E740481C1C}">
+                <a14:useLocalDpi xmlns:a14="http://schemas.microsoft.com/office/drawing/2010/main" val="0"/>
+              </a:ext>
+            </a:extLst>
+          </a:blip>
+          <a:srcRect l="50207"/>
+          <a:stretch>
+            <a:fillRect/>
+          </a:stretch>
+        </p:blipFill>
+        <p:spPr>
+          <a:xfrm>
+            <a:off x="5428242" y="3035468"/>
+            <a:ext cx="1335516" cy="1341061"/>
+          </a:xfrm>
+          <a:prstGeom prst="rect">
+            <a:avLst/>
+          </a:prstGeom>
+        </p:spPr>
+      </p:pic>
+      <p:pic>
+        <p:nvPicPr>
+          <p:cNvPr id="12" name="Picture 11" descr="A white silhouette of a deer&#10;&#10;AI-generated content may be incorrect.">
+            <a:extLst>
+              <a:ext uri="{FF2B5EF4-FFF2-40B4-BE49-F238E27FC236}">
+                <a16:creationId xmlns:a16="http://schemas.microsoft.com/office/drawing/2014/main" id="{D5DF4C93-10FE-EF53-FA29-72632E3BF3DC}"/>
+              </a:ext>
+            </a:extLst>
+          </p:cNvPr>
+          <p:cNvPicPr>
+            <a:picLocks noChangeAspect="1"/>
+          </p:cNvPicPr>
+          <p:nvPr/>
+        </p:nvPicPr>
+        <p:blipFill>
+          <a:blip r:embed="rId4">
+            <a:extLst>
+              <a:ext uri="{28A0092B-C50C-407E-A947-70E740481C1C}">
+                <a14:useLocalDpi xmlns:a14="http://schemas.microsoft.com/office/drawing/2010/main" val="0"/>
+              </a:ext>
+            </a:extLst>
+          </a:blip>
+          <a:stretch>
+            <a:fillRect/>
+          </a:stretch>
+        </p:blipFill>
+        <p:spPr>
+          <a:xfrm>
+            <a:off x="5428242" y="4820866"/>
+            <a:ext cx="1335516" cy="1335516"/>
+          </a:xfrm>
+          <a:prstGeom prst="rect">
+            <a:avLst/>
+          </a:prstGeom>
+        </p:spPr>
+      </p:pic>
+    </p:spTree>
+    <p:extLst>
+      <p:ext uri="{BB962C8B-B14F-4D97-AF65-F5344CB8AC3E}">
+        <p14:creationId xmlns:p14="http://schemas.microsoft.com/office/powerpoint/2010/main" val="1836487670"/>
       </p:ext>
     </p:extLst>
   </p:cSld>
@@ -12185,7 +13082,7 @@
         </p:nvSpPr>
         <p:spPr>
           <a:xfrm>
-            <a:off x="1113824" y="2338840"/>
+            <a:off x="965012" y="2240982"/>
             <a:ext cx="7214617" cy="2376035"/>
           </a:xfrm>
           <a:prstGeom prst="rect">
@@ -12198,6 +13095,40 @@
             <a:spAutoFit/>
           </a:bodyPr>
           <a:lstStyle/>
+          <a:p>
+            <a:pPr marL="342900" indent="-342900">
+              <a:lnSpc>
+                <a:spcPct val="115000"/>
+              </a:lnSpc>
+              <a:spcAft>
+                <a:spcPts val="800"/>
+              </a:spcAft>
+              <a:buFont typeface="Arial" panose="020B0604020202020204" pitchFamily="34" charset="0"/>
+              <a:buChar char="•"/>
+            </a:pPr>
+            <a:r>
+              <a:rPr lang="en-US" sz="2400" b="1" kern="100" dirty="0">
+                <a:latin typeface="Aptos" panose="020B0004020202020204" pitchFamily="34" charset="0"/>
+                <a:ea typeface="Aptos" panose="020B0004020202020204" pitchFamily="34" charset="0"/>
+                <a:cs typeface="Times New Roman" panose="02020603050405020304" pitchFamily="18" charset="0"/>
+              </a:rPr>
+              <a:t>Momentum filter: </a:t>
+            </a:r>
+            <a:r>
+              <a:rPr lang="en-US" sz="2400" kern="100" dirty="0">
+                <a:latin typeface="Aptos" panose="020B0004020202020204" pitchFamily="34" charset="0"/>
+                <a:ea typeface="Aptos" panose="020B0004020202020204" pitchFamily="34" charset="0"/>
+                <a:cs typeface="Times New Roman" panose="02020603050405020304" pitchFamily="18" charset="0"/>
+              </a:rPr>
+              <a:t>Only select stocks with 	positive 3 and 12-month price momentum.</a:t>
+            </a:r>
+            <a:endParaRPr lang="en-US" sz="2400" b="1" kern="100" dirty="0">
+              <a:effectLst/>
+              <a:latin typeface="Aptos" panose="020B0004020202020204" pitchFamily="34" charset="0"/>
+              <a:ea typeface="Aptos" panose="020B0004020202020204" pitchFamily="34" charset="0"/>
+              <a:cs typeface="Times New Roman" panose="02020603050405020304" pitchFamily="18" charset="0"/>
+            </a:endParaRPr>
+          </a:p>
           <a:p>
             <a:pPr marL="342900" indent="-342900">
               <a:lnSpc>
@@ -12266,46 +13197,6 @@
                 <a:cs typeface="Times New Roman" panose="02020603050405020304" pitchFamily="18" charset="0"/>
               </a:rPr>
               <a:t>High ROE, low debt/equity</a:t>
-            </a:r>
-            <a:endParaRPr lang="fr-FR" sz="2400" kern="100" dirty="0">
-              <a:effectLst/>
-              <a:latin typeface="Aptos" panose="020B0004020202020204" pitchFamily="34" charset="0"/>
-              <a:ea typeface="Aptos" panose="020B0004020202020204" pitchFamily="34" charset="0"/>
-              <a:cs typeface="Times New Roman" panose="02020603050405020304" pitchFamily="18" charset="0"/>
-            </a:endParaRPr>
-          </a:p>
-          <a:p>
-            <a:pPr marL="342900" lvl="0" indent="-342900">
-              <a:lnSpc>
-                <a:spcPct val="115000"/>
-              </a:lnSpc>
-              <a:spcAft>
-                <a:spcPts val="800"/>
-              </a:spcAft>
-              <a:buSzPts val="1000"/>
-              <a:buFont typeface="Arial" panose="020B0604020202020204" pitchFamily="34" charset="0"/>
-              <a:buChar char="•"/>
-              <a:tabLst>
-                <a:tab pos="457200" algn="l"/>
-              </a:tabLst>
-            </a:pPr>
-            <a:r>
-              <a:rPr lang="en-US" sz="2400" b="1" kern="100" dirty="0">
-                <a:effectLst/>
-                <a:latin typeface="Aptos" panose="020B0004020202020204" pitchFamily="34" charset="0"/>
-                <a:ea typeface="Aptos" panose="020B0004020202020204" pitchFamily="34" charset="0"/>
-                <a:cs typeface="Times New Roman" panose="02020603050405020304" pitchFamily="18" charset="0"/>
-              </a:rPr>
-              <a:t>Momentum filter: </a:t>
-            </a:r>
-            <a:r>
-              <a:rPr lang="en-US" sz="2400" kern="100" dirty="0">
-                <a:effectLst/>
-                <a:latin typeface="Aptos" panose="020B0004020202020204" pitchFamily="34" charset="0"/>
-                <a:ea typeface="Aptos" panose="020B0004020202020204" pitchFamily="34" charset="0"/>
-                <a:cs typeface="Times New Roman" panose="02020603050405020304" pitchFamily="18" charset="0"/>
-              </a:rPr>
-              <a:t>Only select stocks with 	positive 3 and 12-month price momentum.</a:t>
             </a:r>
             <a:endParaRPr lang="fr-FR" sz="2400" kern="100" dirty="0">
               <a:effectLst/>
@@ -12413,6 +13304,87 @@
           </a:prstGeom>
         </p:spPr>
       </p:pic>
+      <p:sp>
+        <p:nvSpPr>
+          <p:cNvPr id="4" name="Right Brace 3">
+            <a:extLst>
+              <a:ext uri="{FF2B5EF4-FFF2-40B4-BE49-F238E27FC236}">
+                <a16:creationId xmlns:a16="http://schemas.microsoft.com/office/drawing/2014/main" id="{C67E2DF5-659F-94F7-A322-5E0D8CA74164}"/>
+              </a:ext>
+            </a:extLst>
+          </p:cNvPr>
+          <p:cNvSpPr/>
+          <p:nvPr/>
+        </p:nvSpPr>
+        <p:spPr>
+          <a:xfrm>
+            <a:off x="7712764" y="3220278"/>
+            <a:ext cx="297624" cy="1007166"/>
+          </a:xfrm>
+          <a:prstGeom prst="rightBrace">
+            <a:avLst/>
+          </a:prstGeom>
+        </p:spPr>
+        <p:style>
+          <a:lnRef idx="1">
+            <a:schemeClr val="accent1"/>
+          </a:lnRef>
+          <a:fillRef idx="0">
+            <a:schemeClr val="accent1"/>
+          </a:fillRef>
+          <a:effectRef idx="0">
+            <a:schemeClr val="accent1"/>
+          </a:effectRef>
+          <a:fontRef idx="minor">
+            <a:schemeClr val="tx1"/>
+          </a:fontRef>
+        </p:style>
+        <p:txBody>
+          <a:bodyPr rtlCol="0" anchor="ctr"/>
+          <a:lstStyle/>
+          <a:p>
+            <a:pPr algn="ctr"/>
+            <a:endParaRPr lang="en-US"/>
+          </a:p>
+        </p:txBody>
+      </p:sp>
+      <p:sp>
+        <p:nvSpPr>
+          <p:cNvPr id="6" name="TextBox 5">
+            <a:extLst>
+              <a:ext uri="{FF2B5EF4-FFF2-40B4-BE49-F238E27FC236}">
+                <a16:creationId xmlns:a16="http://schemas.microsoft.com/office/drawing/2014/main" id="{C82282A7-1AB9-2304-85BD-0B8DCC8007FE}"/>
+              </a:ext>
+            </a:extLst>
+          </p:cNvPr>
+          <p:cNvSpPr txBox="1"/>
+          <p:nvPr/>
+        </p:nvSpPr>
+        <p:spPr>
+          <a:xfrm>
+            <a:off x="8179629" y="3123696"/>
+            <a:ext cx="2276336" cy="1200329"/>
+          </a:xfrm>
+          <a:prstGeom prst="rect">
+            <a:avLst/>
+          </a:prstGeom>
+          <a:noFill/>
+        </p:spPr>
+        <p:txBody>
+          <a:bodyPr wrap="square" rtlCol="0">
+            <a:spAutoFit/>
+          </a:bodyPr>
+          <a:lstStyle/>
+          <a:p>
+            <a:r>
+              <a:rPr lang="en-US" sz="2400" b="1" dirty="0">
+                <a:latin typeface="Aptos" panose="020B0004020202020204" pitchFamily="34" charset="0"/>
+              </a:rPr>
+              <a:t>Composite Score to rank the stocks</a:t>
+            </a:r>
+          </a:p>
+        </p:txBody>
+      </p:sp>
     </p:spTree>
     <p:extLst>
       <p:ext uri="{BB962C8B-B14F-4D97-AF65-F5344CB8AC3E}">
@@ -12534,6 +13506,105 @@
                       </p:childTnLst>
                     </p:cTn>
                   </p:par>
+                  <p:par>
+                    <p:cTn id="9" fill="hold">
+                      <p:stCondLst>
+                        <p:cond delay="indefinite"/>
+                      </p:stCondLst>
+                      <p:childTnLst>
+                        <p:par>
+                          <p:cTn id="10" fill="hold">
+                            <p:stCondLst>
+                              <p:cond delay="0"/>
+                            </p:stCondLst>
+                            <p:childTnLst>
+                              <p:par>
+                                <p:cTn id="11" presetID="42" presetClass="entr" presetSubtype="0" fill="hold" grpId="0" nodeType="clickEffect">
+                                  <p:stCondLst>
+                                    <p:cond delay="0"/>
+                                  </p:stCondLst>
+                                  <p:childTnLst>
+                                    <p:set>
+                                      <p:cBhvr>
+                                        <p:cTn id="12" dur="1" fill="hold">
+                                          <p:stCondLst>
+                                            <p:cond delay="0"/>
+                                          </p:stCondLst>
+                                        </p:cTn>
+                                        <p:tgtEl>
+                                          <p:spTgt spid="6"/>
+                                        </p:tgtEl>
+                                        <p:attrNameLst>
+                                          <p:attrName>style.visibility</p:attrName>
+                                        </p:attrNameLst>
+                                      </p:cBhvr>
+                                      <p:to>
+                                        <p:strVal val="visible"/>
+                                      </p:to>
+                                    </p:set>
+                                    <p:animEffect transition="in" filter="fade">
+                                      <p:cBhvr>
+                                        <p:cTn id="13" dur="1000"/>
+                                        <p:tgtEl>
+                                          <p:spTgt spid="6"/>
+                                        </p:tgtEl>
+                                      </p:cBhvr>
+                                    </p:animEffect>
+                                    <p:anim calcmode="lin" valueType="num">
+                                      <p:cBhvr>
+                                        <p:cTn id="14" dur="1000" fill="hold"/>
+                                        <p:tgtEl>
+                                          <p:spTgt spid="6"/>
+                                        </p:tgtEl>
+                                        <p:attrNameLst>
+                                          <p:attrName>ppt_x</p:attrName>
+                                        </p:attrNameLst>
+                                      </p:cBhvr>
+                                      <p:tavLst>
+                                        <p:tav tm="0">
+                                          <p:val>
+                                            <p:strVal val="#ppt_x"/>
+                                          </p:val>
+                                        </p:tav>
+                                        <p:tav tm="100000">
+                                          <p:val>
+                                            <p:strVal val="#ppt_x"/>
+                                          </p:val>
+                                        </p:tav>
+                                      </p:tavLst>
+                                    </p:anim>
+                                    <p:anim calcmode="lin" valueType="num">
+                                      <p:cBhvr>
+                                        <p:cTn id="15" dur="1000" fill="hold"/>
+                                        <p:tgtEl>
+                                          <p:spTgt spid="6"/>
+                                        </p:tgtEl>
+                                        <p:attrNameLst>
+                                          <p:attrName>ppt_y</p:attrName>
+                                        </p:attrNameLst>
+                                      </p:cBhvr>
+                                      <p:tavLst>
+                                        <p:tav tm="0">
+                                          <p:val>
+                                            <p:strVal val="#ppt_y+.1"/>
+                                          </p:val>
+                                        </p:tav>
+                                        <p:tav tm="100000">
+                                          <p:val>
+                                            <p:strVal val="#ppt_y"/>
+                                          </p:val>
+                                        </p:tav>
+                                      </p:tavLst>
+                                    </p:anim>
+                                  </p:childTnLst>
+                                </p:cTn>
+                              </p:par>
+                            </p:childTnLst>
+                          </p:cTn>
+                        </p:par>
+                      </p:childTnLst>
+                    </p:cTn>
+                  </p:par>
                 </p:childTnLst>
               </p:cTn>
               <p:prevCondLst>
@@ -12557,6 +13628,7 @@
     </p:tnLst>
     <p:bldLst>
       <p:bldP spid="2" grpId="0"/>
+      <p:bldP spid="6" grpId="0"/>
     </p:bldLst>
   </p:timing>
 </p:sld>
@@ -13446,10 +14518,10 @@
       </p:grpSpPr>
       <p:sp>
         <p:nvSpPr>
-          <p:cNvPr id="2" name="TextBox 1">
+          <p:cNvPr id="4" name="TextBox 3">
             <a:extLst>
               <a:ext uri="{FF2B5EF4-FFF2-40B4-BE49-F238E27FC236}">
-                <a16:creationId xmlns:a16="http://schemas.microsoft.com/office/drawing/2014/main" id="{0C0E56C4-589C-9FE6-2F51-89E75523B498}"/>
+                <a16:creationId xmlns:a16="http://schemas.microsoft.com/office/drawing/2014/main" id="{ECF369F8-A45E-A725-B2B9-BCAFAADCD144}"/>
               </a:ext>
             </a:extLst>
           </p:cNvPr>
@@ -13458,8 +14530,8 @@
         </p:nvSpPr>
         <p:spPr>
           <a:xfrm>
-            <a:off x="1147482" y="1999681"/>
-            <a:ext cx="4948518" cy="3161891"/>
+            <a:off x="4219911" y="458369"/>
+            <a:ext cx="3752178" cy="523220"/>
           </a:xfrm>
           <a:prstGeom prst="rect">
             <a:avLst/>
@@ -13472,129 +14544,34 @@
           </a:bodyPr>
           <a:lstStyle/>
           <a:p>
-            <a:pPr marL="285750" indent="-285750">
-              <a:lnSpc>
-                <a:spcPct val="115000"/>
-              </a:lnSpc>
-              <a:spcAft>
-                <a:spcPts val="800"/>
-              </a:spcAft>
-              <a:buFont typeface="Arial" panose="020B0604020202020204" pitchFamily="34" charset="0"/>
-              <a:buChar char="•"/>
-            </a:pPr>
-            <a:r>
-              <a:rPr lang="en-US" sz="1800" kern="100" dirty="0">
-                <a:effectLst/>
+            <a:pPr algn="ctr"/>
+            <a:r>
+              <a:rPr lang="de-DE" sz="2800" b="1" dirty="0">
                 <a:latin typeface="Aptos" panose="020B0004020202020204" pitchFamily="34" charset="0"/>
-                <a:ea typeface="Aptos" panose="020B0004020202020204" pitchFamily="34" charset="0"/>
-                <a:cs typeface="Times New Roman" panose="02020603050405020304" pitchFamily="18" charset="0"/>
               </a:rPr>
-              <a:t>Stop-loss: deterioration in fundamentals.</a:t>
-            </a:r>
-          </a:p>
-          <a:p>
-            <a:pPr>
-              <a:lnSpc>
-                <a:spcPct val="115000"/>
-              </a:lnSpc>
-              <a:spcAft>
-                <a:spcPts val="800"/>
-              </a:spcAft>
-            </a:pPr>
-            <a:endParaRPr lang="fr-FR" kern="100" dirty="0">
-              <a:latin typeface="Aptos" panose="020B0004020202020204" pitchFamily="34" charset="0"/>
-              <a:ea typeface="Aptos" panose="020B0004020202020204" pitchFamily="34" charset="0"/>
-              <a:cs typeface="Times New Roman" panose="02020603050405020304" pitchFamily="18" charset="0"/>
-            </a:endParaRPr>
-          </a:p>
-          <a:p>
-            <a:pPr marL="285750" indent="-285750">
-              <a:lnSpc>
-                <a:spcPct val="115000"/>
-              </a:lnSpc>
-              <a:spcAft>
-                <a:spcPts val="800"/>
-              </a:spcAft>
-              <a:buFont typeface="Arial" panose="020B0604020202020204" pitchFamily="34" charset="0"/>
-              <a:buChar char="•"/>
-            </a:pPr>
-            <a:r>
-              <a:rPr lang="el-GR" sz="1800" kern="100" dirty="0">
-                <a:effectLst/>
+              <a:t>Potential </a:t>
+            </a:r>
+            <a:r>
+              <a:rPr lang="de-DE" sz="2800" b="1" dirty="0" err="1">
                 <a:latin typeface="Aptos" panose="020B0004020202020204" pitchFamily="34" charset="0"/>
-                <a:ea typeface="Aptos" panose="020B0004020202020204" pitchFamily="34" charset="0"/>
-                <a:cs typeface="Times New Roman" panose="02020603050405020304" pitchFamily="18" charset="0"/>
               </a:rPr>
-              <a:t>Max 30% exposure per sector.</a:t>
-            </a:r>
-            <a:endParaRPr lang="de-DE" sz="1800" kern="100" dirty="0">
-              <a:effectLst/>
-              <a:latin typeface="Aptos" panose="020B0004020202020204" pitchFamily="34" charset="0"/>
-              <a:ea typeface="Aptos" panose="020B0004020202020204" pitchFamily="34" charset="0"/>
-              <a:cs typeface="Times New Roman" panose="02020603050405020304" pitchFamily="18" charset="0"/>
-            </a:endParaRPr>
-          </a:p>
-          <a:p>
-            <a:pPr>
-              <a:lnSpc>
-                <a:spcPct val="115000"/>
-              </a:lnSpc>
-              <a:spcAft>
-                <a:spcPts val="800"/>
-              </a:spcAft>
-            </a:pPr>
-            <a:endParaRPr lang="fr-FR" sz="1800" kern="100" dirty="0">
-              <a:effectLst/>
-              <a:latin typeface="Aptos" panose="020B0004020202020204" pitchFamily="34" charset="0"/>
-              <a:ea typeface="Aptos" panose="020B0004020202020204" pitchFamily="34" charset="0"/>
-              <a:cs typeface="Times New Roman" panose="02020603050405020304" pitchFamily="18" charset="0"/>
-            </a:endParaRPr>
-          </a:p>
-          <a:p>
-            <a:pPr marL="285750" indent="-285750">
-              <a:buFont typeface="Arial" panose="020B0604020202020204" pitchFamily="34" charset="0"/>
-              <a:buChar char="•"/>
-            </a:pPr>
-            <a:r>
-              <a:rPr lang="en-US" sz="1800" dirty="0">
-                <a:effectLst/>
+              <a:t>Risks</a:t>
+            </a:r>
+            <a:r>
+              <a:rPr lang="de-DE" sz="2800" b="1" dirty="0">
                 <a:latin typeface="Aptos" panose="020B0004020202020204" pitchFamily="34" charset="0"/>
-                <a:ea typeface="Aptos" panose="020B0004020202020204" pitchFamily="34" charset="0"/>
-                <a:cs typeface="Times New Roman" panose="02020603050405020304" pitchFamily="18" charset="0"/>
               </a:rPr>
-              <a:t>Track: max drawdown, Sharpe ratio, beta vs S&amp;P 500</a:t>
-            </a:r>
-          </a:p>
-          <a:p>
-            <a:pPr marL="285750" indent="-285750">
-              <a:buFont typeface="Arial" panose="020B0604020202020204" pitchFamily="34" charset="0"/>
-              <a:buChar char="•"/>
-            </a:pPr>
-            <a:endParaRPr lang="en-US" dirty="0">
-              <a:latin typeface="Aptos" panose="020B0004020202020204" pitchFamily="34" charset="0"/>
-              <a:ea typeface="Aptos" panose="020B0004020202020204" pitchFamily="34" charset="0"/>
-              <a:cs typeface="Times New Roman" panose="02020603050405020304" pitchFamily="18" charset="0"/>
-            </a:endParaRPr>
-          </a:p>
-          <a:p>
-            <a:endParaRPr lang="en-US" sz="1800" dirty="0">
-              <a:effectLst/>
-              <a:latin typeface="Aptos" panose="020B0004020202020204" pitchFamily="34" charset="0"/>
-              <a:ea typeface="Aptos" panose="020B0004020202020204" pitchFamily="34" charset="0"/>
-              <a:cs typeface="Times New Roman" panose="02020603050405020304" pitchFamily="18" charset="0"/>
-            </a:endParaRPr>
-          </a:p>
-          <a:p>
-            <a:endParaRPr lang="fr-FR" dirty="0"/>
+              <a:t>:</a:t>
+            </a:r>
           </a:p>
         </p:txBody>
       </p:sp>
       <p:sp>
         <p:nvSpPr>
-          <p:cNvPr id="3" name="TextBox 2">
+          <p:cNvPr id="2" name="TextBox 1">
             <a:extLst>
               <a:ext uri="{FF2B5EF4-FFF2-40B4-BE49-F238E27FC236}">
-                <a16:creationId xmlns:a16="http://schemas.microsoft.com/office/drawing/2014/main" id="{95A265E5-2326-7FB4-FD5E-479745A7781C}"/>
+                <a16:creationId xmlns:a16="http://schemas.microsoft.com/office/drawing/2014/main" id="{71C19A3E-7532-7CC2-C911-AE6E8C55826D}"/>
               </a:ext>
             </a:extLst>
           </p:cNvPr>
@@ -13603,8 +14580,8 @@
         </p:nvSpPr>
         <p:spPr>
           <a:xfrm>
-            <a:off x="4950759" y="500230"/>
-            <a:ext cx="2366682" cy="369332"/>
+            <a:off x="1113824" y="2338840"/>
+            <a:ext cx="7214617" cy="2605393"/>
           </a:xfrm>
           <a:prstGeom prst="rect">
             <a:avLst/>
@@ -13617,22 +14594,163 @@
           </a:bodyPr>
           <a:lstStyle/>
           <a:p>
-            <a:r>
-              <a:rPr lang="de-DE" b="1" dirty="0">
+            <a:pPr marL="342900" lvl="0" indent="-342900">
+              <a:lnSpc>
+                <a:spcPct val="115000"/>
+              </a:lnSpc>
+              <a:spcAft>
+                <a:spcPts val="800"/>
+              </a:spcAft>
+              <a:buSzPts val="1000"/>
+              <a:buFont typeface="Arial" panose="020B0604020202020204" pitchFamily="34" charset="0"/>
+              <a:buChar char="•"/>
+              <a:tabLst>
+                <a:tab pos="457200" algn="l"/>
+              </a:tabLst>
+            </a:pPr>
+            <a:r>
+              <a:rPr lang="en-US" sz="2400" b="1" kern="100" dirty="0">
+                <a:effectLst/>
                 <a:latin typeface="Aptos" panose="020B0004020202020204" pitchFamily="34" charset="0"/>
+                <a:ea typeface="Aptos" panose="020B0004020202020204" pitchFamily="34" charset="0"/>
+                <a:cs typeface="Times New Roman" panose="02020603050405020304" pitchFamily="18" charset="0"/>
               </a:rPr>
-              <a:t>RISK MANAGEMENT</a:t>
-            </a:r>
-            <a:endParaRPr lang="fr-FR" b="1" dirty="0">
-              <a:latin typeface="Aptos" panose="020B0004020202020204" pitchFamily="34" charset="0"/>
-            </a:endParaRPr>
+              <a:t>Momentum Crashes</a:t>
+            </a:r>
+            <a:endParaRPr lang="fr-FR" dirty="0"/>
+          </a:p>
+          <a:p>
+            <a:pPr marL="342900" lvl="0" indent="-342900">
+              <a:lnSpc>
+                <a:spcPct val="115000"/>
+              </a:lnSpc>
+              <a:spcAft>
+                <a:spcPts val="800"/>
+              </a:spcAft>
+              <a:buSzPts val="1000"/>
+              <a:buFont typeface="Arial" panose="020B0604020202020204" pitchFamily="34" charset="0"/>
+              <a:buChar char="•"/>
+              <a:tabLst>
+                <a:tab pos="457200" algn="l"/>
+              </a:tabLst>
+            </a:pPr>
+            <a:r>
+              <a:rPr lang="fr-FR" sz="2400" b="1" kern="100" dirty="0" err="1">
+                <a:effectLst/>
+                <a:latin typeface="Aptos" panose="020B0004020202020204" pitchFamily="34" charset="0"/>
+                <a:ea typeface="Aptos" panose="020B0004020202020204" pitchFamily="34" charset="0"/>
+                <a:cs typeface="Times New Roman" panose="02020603050405020304" pitchFamily="18" charset="0"/>
+              </a:rPr>
+              <a:t>Sudden</a:t>
+            </a:r>
+            <a:r>
+              <a:rPr lang="fr-FR" sz="2400" b="1" kern="100" dirty="0">
+                <a:effectLst/>
+                <a:latin typeface="Aptos" panose="020B0004020202020204" pitchFamily="34" charset="0"/>
+                <a:ea typeface="Aptos" panose="020B0004020202020204" pitchFamily="34" charset="0"/>
+                <a:cs typeface="Times New Roman" panose="02020603050405020304" pitchFamily="18" charset="0"/>
+              </a:rPr>
+              <a:t> </a:t>
+            </a:r>
+            <a:r>
+              <a:rPr lang="fr-FR" sz="2400" b="1" kern="100" dirty="0" err="1">
+                <a:effectLst/>
+                <a:latin typeface="Aptos" panose="020B0004020202020204" pitchFamily="34" charset="0"/>
+                <a:ea typeface="Aptos" panose="020B0004020202020204" pitchFamily="34" charset="0"/>
+                <a:cs typeface="Times New Roman" panose="02020603050405020304" pitchFamily="18" charset="0"/>
+              </a:rPr>
+              <a:t>Regime</a:t>
+            </a:r>
+            <a:r>
+              <a:rPr lang="fr-FR" sz="2400" b="1" kern="100" dirty="0">
+                <a:effectLst/>
+                <a:latin typeface="Aptos" panose="020B0004020202020204" pitchFamily="34" charset="0"/>
+                <a:ea typeface="Aptos" panose="020B0004020202020204" pitchFamily="34" charset="0"/>
+                <a:cs typeface="Times New Roman" panose="02020603050405020304" pitchFamily="18" charset="0"/>
+              </a:rPr>
+              <a:t> Change</a:t>
+            </a:r>
+          </a:p>
+          <a:p>
+            <a:pPr marL="342900" lvl="0" indent="-342900">
+              <a:lnSpc>
+                <a:spcPct val="115000"/>
+              </a:lnSpc>
+              <a:spcAft>
+                <a:spcPts val="800"/>
+              </a:spcAft>
+              <a:buSzPts val="1000"/>
+              <a:buFont typeface="Arial" panose="020B0604020202020204" pitchFamily="34" charset="0"/>
+              <a:buChar char="•"/>
+              <a:tabLst>
+                <a:tab pos="457200" algn="l"/>
+              </a:tabLst>
+            </a:pPr>
+            <a:r>
+              <a:rPr lang="en-US" sz="2400" b="1" kern="100" dirty="0">
+                <a:effectLst/>
+                <a:latin typeface="Aptos" panose="020B0004020202020204" pitchFamily="34" charset="0"/>
+                <a:ea typeface="Aptos" panose="020B0004020202020204" pitchFamily="34" charset="0"/>
+                <a:cs typeface="Times New Roman" panose="02020603050405020304" pitchFamily="18" charset="0"/>
+              </a:rPr>
+              <a:t>Sector Concentration</a:t>
+            </a:r>
+          </a:p>
+          <a:p>
+            <a:pPr marL="342900" lvl="0" indent="-342900">
+              <a:lnSpc>
+                <a:spcPct val="115000"/>
+              </a:lnSpc>
+              <a:spcAft>
+                <a:spcPts val="800"/>
+              </a:spcAft>
+              <a:buSzPts val="1000"/>
+              <a:buFont typeface="Arial" panose="020B0604020202020204" pitchFamily="34" charset="0"/>
+              <a:buChar char="•"/>
+              <a:tabLst>
+                <a:tab pos="457200" algn="l"/>
+              </a:tabLst>
+            </a:pPr>
+            <a:r>
+              <a:rPr lang="en-US" sz="2400" b="1" kern="100" dirty="0">
+                <a:latin typeface="Aptos" panose="020B0004020202020204" pitchFamily="34" charset="0"/>
+                <a:ea typeface="Aptos" panose="020B0004020202020204" pitchFamily="34" charset="0"/>
+                <a:cs typeface="Times New Roman" panose="02020603050405020304" pitchFamily="18" charset="0"/>
+              </a:rPr>
+              <a:t>Survivorship Bias</a:t>
+            </a:r>
+          </a:p>
+          <a:p>
+            <a:pPr marL="342900" lvl="0" indent="-342900">
+              <a:lnSpc>
+                <a:spcPct val="115000"/>
+              </a:lnSpc>
+              <a:spcAft>
+                <a:spcPts val="800"/>
+              </a:spcAft>
+              <a:buSzPts val="1000"/>
+              <a:buFont typeface="Arial" panose="020B0604020202020204" pitchFamily="34" charset="0"/>
+              <a:buChar char="•"/>
+              <a:tabLst>
+                <a:tab pos="457200" algn="l"/>
+              </a:tabLst>
+            </a:pPr>
+            <a:r>
+              <a:rPr lang="en-US" sz="2400" b="1" kern="100" dirty="0">
+                <a:effectLst/>
+                <a:latin typeface="Aptos" panose="020B0004020202020204" pitchFamily="34" charset="0"/>
+                <a:ea typeface="Aptos" panose="020B0004020202020204" pitchFamily="34" charset="0"/>
+                <a:cs typeface="Times New Roman" panose="02020603050405020304" pitchFamily="18" charset="0"/>
+              </a:rPr>
+              <a:t>Limited Hedging</a:t>
+            </a:r>
           </a:p>
         </p:txBody>
       </p:sp>
     </p:spTree>
     <p:extLst>
       <p:ext uri="{BB962C8B-B14F-4D97-AF65-F5344CB8AC3E}">
-        <p14:creationId xmlns:p14="http://schemas.microsoft.com/office/powerpoint/2010/main" val="1165643818"/>
+        <p14:creationId xmlns:p14="http://schemas.microsoft.com/office/powerpoint/2010/main" val="91877853"/>
       </p:ext>
     </p:extLst>
   </p:cSld>
@@ -13800,7 +14918,7 @@
           <p:cNvPr id="2" name="TextBox 1">
             <a:extLst>
               <a:ext uri="{FF2B5EF4-FFF2-40B4-BE49-F238E27FC236}">
-                <a16:creationId xmlns:a16="http://schemas.microsoft.com/office/drawing/2014/main" id="{264E5984-0385-EB90-C885-D4D4805EF6D3}"/>
+                <a16:creationId xmlns:a16="http://schemas.microsoft.com/office/drawing/2014/main" id="{0C0E56C4-589C-9FE6-2F51-89E75523B498}"/>
               </a:ext>
             </a:extLst>
           </p:cNvPr>
@@ -13809,8 +14927,8 @@
         </p:nvSpPr>
         <p:spPr>
           <a:xfrm>
-            <a:off x="1586385" y="2190929"/>
-            <a:ext cx="4547715" cy="3009542"/>
+            <a:off x="1147481" y="1999681"/>
+            <a:ext cx="6793347" cy="3401957"/>
           </a:xfrm>
           <a:prstGeom prst="rect">
             <a:avLst/>
@@ -13823,157 +14941,80 @@
           </a:bodyPr>
           <a:lstStyle/>
           <a:p>
-            <a:pPr marL="342900" lvl="0" indent="-342900">
+            <a:pPr marL="285750" indent="-285750">
               <a:lnSpc>
                 <a:spcPct val="115000"/>
               </a:lnSpc>
               <a:spcAft>
                 <a:spcPts val="800"/>
               </a:spcAft>
-              <a:buSzPts val="1000"/>
-              <a:buFont typeface="Symbol" panose="05050102010706020507" pitchFamily="18" charset="2"/>
-              <a:buChar char=""/>
-              <a:tabLst>
-                <a:tab pos="457200" algn="l"/>
-              </a:tabLst>
+              <a:buFont typeface="Arial" panose="020B0604020202020204" pitchFamily="34" charset="0"/>
+              <a:buChar char="•"/>
             </a:pPr>
             <a:r>
-              <a:rPr lang="el-GR" sz="1800" b="1" kern="100" dirty="0">
+              <a:rPr lang="en-US" sz="2400" b="1" kern="100" dirty="0">
                 <a:effectLst/>
                 <a:latin typeface="Aptos" panose="020B0004020202020204" pitchFamily="34" charset="0"/>
                 <a:ea typeface="Aptos" panose="020B0004020202020204" pitchFamily="34" charset="0"/>
                 <a:cs typeface="Times New Roman" panose="02020603050405020304" pitchFamily="18" charset="0"/>
               </a:rPr>
-              <a:t>Period:</a:t>
-            </a:r>
-            <a:r>
-              <a:rPr lang="el-GR" sz="1800" kern="100" dirty="0">
+              <a:t>Stop-loss:</a:t>
+            </a:r>
+            <a:r>
+              <a:rPr lang="en-US" sz="2400" kern="100" dirty="0">
                 <a:effectLst/>
                 <a:latin typeface="Aptos" panose="020B0004020202020204" pitchFamily="34" charset="0"/>
                 <a:ea typeface="Aptos" panose="020B0004020202020204" pitchFamily="34" charset="0"/>
                 <a:cs typeface="Times New Roman" panose="02020603050405020304" pitchFamily="18" charset="0"/>
               </a:rPr>
-              <a:t> </a:t>
-            </a:r>
-            <a:r>
-              <a:rPr lang="el-GR" sz="1800" kern="100" dirty="0" err="1">
-                <a:effectLst/>
-                <a:latin typeface="Aptos" panose="020B0004020202020204" pitchFamily="34" charset="0"/>
-                <a:ea typeface="Aptos" panose="020B0004020202020204" pitchFamily="34" charset="0"/>
-                <a:cs typeface="Times New Roman" panose="02020603050405020304" pitchFamily="18" charset="0"/>
-              </a:rPr>
-              <a:t>Last</a:t>
-            </a:r>
-            <a:r>
-              <a:rPr lang="el-GR" sz="1800" kern="100" dirty="0">
-                <a:effectLst/>
-                <a:latin typeface="Aptos" panose="020B0004020202020204" pitchFamily="34" charset="0"/>
-                <a:ea typeface="Aptos" panose="020B0004020202020204" pitchFamily="34" charset="0"/>
-                <a:cs typeface="Times New Roman" panose="02020603050405020304" pitchFamily="18" charset="0"/>
-              </a:rPr>
-              <a:t> </a:t>
-            </a:r>
-            <a:r>
-              <a:rPr lang="en-US" kern="100" dirty="0">
-                <a:latin typeface="Aptos" panose="020B0004020202020204" pitchFamily="34" charset="0"/>
-                <a:ea typeface="Aptos" panose="020B0004020202020204" pitchFamily="34" charset="0"/>
-                <a:cs typeface="Times New Roman" panose="02020603050405020304" pitchFamily="18" charset="0"/>
-              </a:rPr>
-              <a:t>20</a:t>
-            </a:r>
-            <a:r>
-              <a:rPr lang="el-GR" sz="1800" kern="100" dirty="0">
-                <a:effectLst/>
-                <a:latin typeface="Aptos" panose="020B0004020202020204" pitchFamily="34" charset="0"/>
-                <a:ea typeface="Aptos" panose="020B0004020202020204" pitchFamily="34" charset="0"/>
-                <a:cs typeface="Times New Roman" panose="02020603050405020304" pitchFamily="18" charset="0"/>
-              </a:rPr>
-              <a:t> </a:t>
-            </a:r>
-            <a:r>
-              <a:rPr lang="el-GR" sz="1800" kern="100" dirty="0" err="1">
-                <a:effectLst/>
-                <a:latin typeface="Aptos" panose="020B0004020202020204" pitchFamily="34" charset="0"/>
-                <a:ea typeface="Aptos" panose="020B0004020202020204" pitchFamily="34" charset="0"/>
-                <a:cs typeface="Times New Roman" panose="02020603050405020304" pitchFamily="18" charset="0"/>
-              </a:rPr>
-              <a:t>years</a:t>
-            </a:r>
-            <a:endParaRPr lang="fr-FR" sz="1800" kern="100" dirty="0">
-              <a:effectLst/>
-              <a:latin typeface="Aptos" panose="020B0004020202020204" pitchFamily="34" charset="0"/>
-              <a:ea typeface="Aptos" panose="020B0004020202020204" pitchFamily="34" charset="0"/>
-              <a:cs typeface="Times New Roman" panose="02020603050405020304" pitchFamily="18" charset="0"/>
-            </a:endParaRPr>
-          </a:p>
-          <a:p>
-            <a:pPr marL="342900" lvl="0" indent="-342900">
+              <a:t> deterioration in fundamentals.</a:t>
+            </a:r>
+          </a:p>
+          <a:p>
+            <a:pPr>
               <a:lnSpc>
                 <a:spcPct val="115000"/>
               </a:lnSpc>
               <a:spcAft>
                 <a:spcPts val="800"/>
               </a:spcAft>
-              <a:buSzPts val="1000"/>
-              <a:buFont typeface="Symbol" panose="05050102010706020507" pitchFamily="18" charset="2"/>
-              <a:buChar char=""/>
-              <a:tabLst>
-                <a:tab pos="457200" algn="l"/>
-              </a:tabLst>
             </a:pPr>
-            <a:r>
-              <a:rPr lang="en-US" sz="1800" b="1" kern="100" dirty="0">
-                <a:effectLst/>
-                <a:latin typeface="Aptos" panose="020B0004020202020204" pitchFamily="34" charset="0"/>
-                <a:ea typeface="Aptos" panose="020B0004020202020204" pitchFamily="34" charset="0"/>
-                <a:cs typeface="Times New Roman" panose="02020603050405020304" pitchFamily="18" charset="0"/>
-              </a:rPr>
-              <a:t>Benchmark:</a:t>
-            </a:r>
-            <a:r>
-              <a:rPr lang="en-US" sz="1800" kern="100" dirty="0">
-                <a:effectLst/>
-                <a:latin typeface="Aptos" panose="020B0004020202020204" pitchFamily="34" charset="0"/>
-                <a:ea typeface="Aptos" panose="020B0004020202020204" pitchFamily="34" charset="0"/>
-                <a:cs typeface="Times New Roman" panose="02020603050405020304" pitchFamily="18" charset="0"/>
-              </a:rPr>
-              <a:t> S&amp;P 500</a:t>
-            </a:r>
-          </a:p>
-          <a:p>
-            <a:pPr marL="342900" lvl="0" indent="-342900">
+            <a:endParaRPr lang="fr-FR" sz="2400" kern="100" dirty="0">
+              <a:latin typeface="Aptos" panose="020B0004020202020204" pitchFamily="34" charset="0"/>
+              <a:ea typeface="Aptos" panose="020B0004020202020204" pitchFamily="34" charset="0"/>
+              <a:cs typeface="Times New Roman" panose="02020603050405020304" pitchFamily="18" charset="0"/>
+            </a:endParaRPr>
+          </a:p>
+          <a:p>
+            <a:pPr marL="285750" indent="-285750">
               <a:lnSpc>
                 <a:spcPct val="115000"/>
               </a:lnSpc>
               <a:spcAft>
                 <a:spcPts val="800"/>
               </a:spcAft>
-              <a:buSzPts val="1000"/>
-              <a:buFont typeface="Symbol" panose="05050102010706020507" pitchFamily="18" charset="2"/>
-              <a:buChar char=""/>
-              <a:tabLst>
-                <a:tab pos="457200" algn="l"/>
-              </a:tabLst>
+              <a:buFont typeface="Arial" panose="020B0604020202020204" pitchFamily="34" charset="0"/>
+              <a:buChar char="•"/>
             </a:pPr>
             <a:r>
-              <a:rPr lang="en-US" sz="1800" b="1" kern="100" dirty="0">
+              <a:rPr lang="el-GR" sz="2400" b="1" kern="100" dirty="0">
                 <a:effectLst/>
                 <a:latin typeface="Aptos" panose="020B0004020202020204" pitchFamily="34" charset="0"/>
                 <a:ea typeface="Aptos" panose="020B0004020202020204" pitchFamily="34" charset="0"/>
                 <a:cs typeface="Times New Roman" panose="02020603050405020304" pitchFamily="18" charset="0"/>
               </a:rPr>
-              <a:t>Metrics:</a:t>
-            </a:r>
-            <a:r>
-              <a:rPr lang="en-US" sz="1800" kern="100" dirty="0">
+              <a:t>Max 30% </a:t>
+            </a:r>
+            <a:r>
+              <a:rPr lang="el-GR" sz="2400" kern="100" dirty="0">
                 <a:effectLst/>
                 <a:latin typeface="Aptos" panose="020B0004020202020204" pitchFamily="34" charset="0"/>
                 <a:ea typeface="Aptos" panose="020B0004020202020204" pitchFamily="34" charset="0"/>
                 <a:cs typeface="Times New Roman" panose="02020603050405020304" pitchFamily="18" charset="0"/>
               </a:rPr>
-              <a:t> Annualized return, Annualized Volatility, Sharpe ratio, Max Drawdown, Var, CVar </a:t>
-            </a:r>
-            <a:endParaRPr lang="fr-FR" sz="1800" kern="100" dirty="0">
+              <a:t>exposure per sector.</a:t>
+            </a:r>
+            <a:endParaRPr lang="de-DE" sz="2400" kern="100" dirty="0">
               <a:effectLst/>
               <a:latin typeface="Aptos" panose="020B0004020202020204" pitchFamily="34" charset="0"/>
               <a:ea typeface="Aptos" panose="020B0004020202020204" pitchFamily="34" charset="0"/>
@@ -13981,30 +15022,72 @@
             </a:endParaRPr>
           </a:p>
           <a:p>
-            <a:pPr marL="342900" lvl="0" indent="-342900">
+            <a:pPr>
               <a:lnSpc>
                 <a:spcPct val="115000"/>
               </a:lnSpc>
               <a:spcAft>
                 <a:spcPts val="800"/>
               </a:spcAft>
-              <a:buSzPts val="1000"/>
-              <a:buFont typeface="Symbol" panose="05050102010706020507" pitchFamily="18" charset="2"/>
-              <a:buChar char=""/>
-              <a:tabLst>
-                <a:tab pos="457200" algn="l"/>
-              </a:tabLst>
             </a:pPr>
-            <a:r>
-              <a:rPr lang="en-US" sz="1800" kern="100" dirty="0">
+            <a:endParaRPr lang="fr-FR" sz="2400" kern="100" dirty="0">
+              <a:effectLst/>
+              <a:latin typeface="Aptos" panose="020B0004020202020204" pitchFamily="34" charset="0"/>
+              <a:ea typeface="Aptos" panose="020B0004020202020204" pitchFamily="34" charset="0"/>
+              <a:cs typeface="Times New Roman" panose="02020603050405020304" pitchFamily="18" charset="0"/>
+            </a:endParaRPr>
+          </a:p>
+          <a:p>
+            <a:pPr marL="285750" indent="-285750">
+              <a:buFont typeface="Arial" panose="020B0604020202020204" pitchFamily="34" charset="0"/>
+              <a:buChar char="•"/>
+            </a:pPr>
+            <a:r>
+              <a:rPr lang="en-US" sz="2400" b="1" dirty="0">
                 <a:effectLst/>
                 <a:latin typeface="Aptos" panose="020B0004020202020204" pitchFamily="34" charset="0"/>
                 <a:ea typeface="Aptos" panose="020B0004020202020204" pitchFamily="34" charset="0"/>
                 <a:cs typeface="Times New Roman" panose="02020603050405020304" pitchFamily="18" charset="0"/>
               </a:rPr>
-              <a:t>Stress test during market crises (2008, 2020).</a:t>
-            </a:r>
-            <a:endParaRPr lang="fr-FR" sz="1800" kern="100" dirty="0">
+              <a:t>Track: </a:t>
+            </a:r>
+            <a:r>
+              <a:rPr lang="en-US" sz="2400" dirty="0">
+                <a:effectLst/>
+                <a:latin typeface="Aptos" panose="020B0004020202020204" pitchFamily="34" charset="0"/>
+                <a:ea typeface="Aptos" panose="020B0004020202020204" pitchFamily="34" charset="0"/>
+                <a:cs typeface="Times New Roman" panose="02020603050405020304" pitchFamily="18" charset="0"/>
+              </a:rPr>
+              <a:t>max drawdown, Sharpe ratio</a:t>
+            </a:r>
+            <a:r>
+              <a:rPr lang="en-US" sz="2400" dirty="0">
+                <a:latin typeface="Aptos" panose="020B0004020202020204" pitchFamily="34" charset="0"/>
+                <a:ea typeface="Aptos" panose="020B0004020202020204" pitchFamily="34" charset="0"/>
+                <a:cs typeface="Times New Roman" panose="02020603050405020304" pitchFamily="18" charset="0"/>
+              </a:rPr>
+              <a:t>, Var, CVar</a:t>
+            </a:r>
+            <a:endParaRPr lang="en-US" sz="2400" dirty="0">
+              <a:effectLst/>
+              <a:latin typeface="Aptos" panose="020B0004020202020204" pitchFamily="34" charset="0"/>
+              <a:ea typeface="Aptos" panose="020B0004020202020204" pitchFamily="34" charset="0"/>
+              <a:cs typeface="Times New Roman" panose="02020603050405020304" pitchFamily="18" charset="0"/>
+            </a:endParaRPr>
+          </a:p>
+          <a:p>
+            <a:pPr marL="285750" indent="-285750">
+              <a:buFont typeface="Arial" panose="020B0604020202020204" pitchFamily="34" charset="0"/>
+              <a:buChar char="•"/>
+            </a:pPr>
+            <a:endParaRPr lang="en-US" dirty="0">
+              <a:latin typeface="Aptos" panose="020B0004020202020204" pitchFamily="34" charset="0"/>
+              <a:ea typeface="Aptos" panose="020B0004020202020204" pitchFamily="34" charset="0"/>
+              <a:cs typeface="Times New Roman" panose="02020603050405020304" pitchFamily="18" charset="0"/>
+            </a:endParaRPr>
+          </a:p>
+          <a:p>
+            <a:endParaRPr lang="en-US" sz="1800" dirty="0">
               <a:effectLst/>
               <a:latin typeface="Aptos" panose="020B0004020202020204" pitchFamily="34" charset="0"/>
               <a:ea typeface="Aptos" panose="020B0004020202020204" pitchFamily="34" charset="0"/>
@@ -14021,7 +15104,7 @@
           <p:cNvPr id="3" name="TextBox 2">
             <a:extLst>
               <a:ext uri="{FF2B5EF4-FFF2-40B4-BE49-F238E27FC236}">
-                <a16:creationId xmlns:a16="http://schemas.microsoft.com/office/drawing/2014/main" id="{290B7651-B80D-F291-4A1D-1DD563DE679D}"/>
+                <a16:creationId xmlns:a16="http://schemas.microsoft.com/office/drawing/2014/main" id="{95A265E5-2326-7FB4-FD5E-479745A7781C}"/>
               </a:ext>
             </a:extLst>
           </p:cNvPr>
@@ -14030,8 +15113,8 @@
         </p:nvSpPr>
         <p:spPr>
           <a:xfrm>
-            <a:off x="4364467" y="537882"/>
-            <a:ext cx="3752178" cy="369332"/>
+            <a:off x="4251171" y="460473"/>
+            <a:ext cx="3689658" cy="523220"/>
           </a:xfrm>
           <a:prstGeom prst="rect">
             <a:avLst/>
@@ -14045,12 +15128,12 @@
           <a:lstStyle/>
           <a:p>
             <a:r>
-              <a:rPr lang="de-DE" b="1" dirty="0">
+              <a:rPr lang="de-DE" sz="2800" b="1" dirty="0">
                 <a:latin typeface="Aptos" panose="020B0004020202020204" pitchFamily="34" charset="0"/>
               </a:rPr>
-              <a:t>BACKTESTING &amp; PERFORMANCE</a:t>
-            </a:r>
-            <a:endParaRPr lang="fr-FR" b="1" dirty="0">
+              <a:t>RISK MANAGEMENT</a:t>
+            </a:r>
+            <a:endParaRPr lang="fr-FR" sz="2800" b="1" dirty="0">
               <a:latin typeface="Aptos" panose="020B0004020202020204" pitchFamily="34" charset="0"/>
             </a:endParaRPr>
           </a:p>
@@ -14059,7 +15142,7 @@
     </p:spTree>
     <p:extLst>
       <p:ext uri="{BB962C8B-B14F-4D97-AF65-F5344CB8AC3E}">
-        <p14:creationId xmlns:p14="http://schemas.microsoft.com/office/powerpoint/2010/main" val="1986389791"/>
+        <p14:creationId xmlns:p14="http://schemas.microsoft.com/office/powerpoint/2010/main" val="1165643818"/>
       </p:ext>
     </p:extLst>
   </p:cSld>
@@ -14224,10 +15307,10 @@
       </p:grpSpPr>
       <p:sp>
         <p:nvSpPr>
-          <p:cNvPr id="4" name="TextBox 3">
+          <p:cNvPr id="2" name="TextBox 1">
             <a:extLst>
               <a:ext uri="{FF2B5EF4-FFF2-40B4-BE49-F238E27FC236}">
-                <a16:creationId xmlns:a16="http://schemas.microsoft.com/office/drawing/2014/main" id="{ECF369F8-A45E-A725-B2B9-BCAFAADCD144}"/>
+                <a16:creationId xmlns:a16="http://schemas.microsoft.com/office/drawing/2014/main" id="{264E5984-0385-EB90-C885-D4D4805EF6D3}"/>
               </a:ext>
             </a:extLst>
           </p:cNvPr>
@@ -14236,8 +15319,8 @@
         </p:nvSpPr>
         <p:spPr>
           <a:xfrm>
-            <a:off x="4219911" y="458369"/>
-            <a:ext cx="3752178" cy="523220"/>
+            <a:off x="1438360" y="1977320"/>
+            <a:ext cx="7570867" cy="2903359"/>
           </a:xfrm>
           <a:prstGeom prst="rect">
             <a:avLst/>
@@ -14250,18 +15333,232 @@
           </a:bodyPr>
           <a:lstStyle/>
           <a:p>
-            <a:pPr algn="ctr"/>
+            <a:pPr marL="342900" lvl="0" indent="-342900">
+              <a:lnSpc>
+                <a:spcPct val="115000"/>
+              </a:lnSpc>
+              <a:spcAft>
+                <a:spcPts val="800"/>
+              </a:spcAft>
+              <a:buSzPts val="1000"/>
+              <a:buFont typeface="Symbol" panose="05050102010706020507" pitchFamily="18" charset="2"/>
+              <a:buChar char=""/>
+              <a:tabLst>
+                <a:tab pos="457200" algn="l"/>
+              </a:tabLst>
+            </a:pPr>
+            <a:r>
+              <a:rPr lang="el-GR" sz="2400" b="1" kern="100" dirty="0">
+                <a:effectLst/>
+                <a:latin typeface="Aptos" panose="020B0004020202020204" pitchFamily="34" charset="0"/>
+                <a:ea typeface="Aptos" panose="020B0004020202020204" pitchFamily="34" charset="0"/>
+                <a:cs typeface="Times New Roman" panose="02020603050405020304" pitchFamily="18" charset="0"/>
+              </a:rPr>
+              <a:t>Period:</a:t>
+            </a:r>
+            <a:r>
+              <a:rPr lang="el-GR" sz="2400" kern="100" dirty="0">
+                <a:effectLst/>
+                <a:latin typeface="Aptos" panose="020B0004020202020204" pitchFamily="34" charset="0"/>
+                <a:ea typeface="Aptos" panose="020B0004020202020204" pitchFamily="34" charset="0"/>
+                <a:cs typeface="Times New Roman" panose="02020603050405020304" pitchFamily="18" charset="0"/>
+              </a:rPr>
+              <a:t> </a:t>
+            </a:r>
+            <a:r>
+              <a:rPr lang="el-GR" sz="2400" kern="100" dirty="0" err="1">
+                <a:effectLst/>
+                <a:latin typeface="Aptos" panose="020B0004020202020204" pitchFamily="34" charset="0"/>
+                <a:ea typeface="Aptos" panose="020B0004020202020204" pitchFamily="34" charset="0"/>
+                <a:cs typeface="Times New Roman" panose="02020603050405020304" pitchFamily="18" charset="0"/>
+              </a:rPr>
+              <a:t>Last</a:t>
+            </a:r>
+            <a:r>
+              <a:rPr lang="el-GR" sz="2400" kern="100" dirty="0">
+                <a:effectLst/>
+                <a:latin typeface="Aptos" panose="020B0004020202020204" pitchFamily="34" charset="0"/>
+                <a:ea typeface="Aptos" panose="020B0004020202020204" pitchFamily="34" charset="0"/>
+                <a:cs typeface="Times New Roman" panose="02020603050405020304" pitchFamily="18" charset="0"/>
+              </a:rPr>
+              <a:t> </a:t>
+            </a:r>
+            <a:r>
+              <a:rPr lang="en-US" sz="2400" kern="100" dirty="0">
+                <a:latin typeface="Aptos" panose="020B0004020202020204" pitchFamily="34" charset="0"/>
+                <a:ea typeface="Aptos" panose="020B0004020202020204" pitchFamily="34" charset="0"/>
+                <a:cs typeface="Times New Roman" panose="02020603050405020304" pitchFamily="18" charset="0"/>
+              </a:rPr>
+              <a:t>20</a:t>
+            </a:r>
+            <a:r>
+              <a:rPr lang="el-GR" sz="2400" kern="100" dirty="0">
+                <a:effectLst/>
+                <a:latin typeface="Aptos" panose="020B0004020202020204" pitchFamily="34" charset="0"/>
+                <a:ea typeface="Aptos" panose="020B0004020202020204" pitchFamily="34" charset="0"/>
+                <a:cs typeface="Times New Roman" panose="02020603050405020304" pitchFamily="18" charset="0"/>
+              </a:rPr>
+              <a:t> </a:t>
+            </a:r>
+            <a:r>
+              <a:rPr lang="el-GR" sz="2400" kern="100" dirty="0" err="1">
+                <a:effectLst/>
+                <a:latin typeface="Aptos" panose="020B0004020202020204" pitchFamily="34" charset="0"/>
+                <a:ea typeface="Aptos" panose="020B0004020202020204" pitchFamily="34" charset="0"/>
+                <a:cs typeface="Times New Roman" panose="02020603050405020304" pitchFamily="18" charset="0"/>
+              </a:rPr>
+              <a:t>years</a:t>
+            </a:r>
+            <a:endParaRPr lang="fr-FR" sz="2400" kern="100" dirty="0">
+              <a:effectLst/>
+              <a:latin typeface="Aptos" panose="020B0004020202020204" pitchFamily="34" charset="0"/>
+              <a:ea typeface="Aptos" panose="020B0004020202020204" pitchFamily="34" charset="0"/>
+              <a:cs typeface="Times New Roman" panose="02020603050405020304" pitchFamily="18" charset="0"/>
+            </a:endParaRPr>
+          </a:p>
+          <a:p>
+            <a:pPr marL="342900" lvl="0" indent="-342900">
+              <a:lnSpc>
+                <a:spcPct val="115000"/>
+              </a:lnSpc>
+              <a:spcAft>
+                <a:spcPts val="800"/>
+              </a:spcAft>
+              <a:buSzPts val="1000"/>
+              <a:buFont typeface="Symbol" panose="05050102010706020507" pitchFamily="18" charset="2"/>
+              <a:buChar char=""/>
+              <a:tabLst>
+                <a:tab pos="457200" algn="l"/>
+              </a:tabLst>
+            </a:pPr>
+            <a:r>
+              <a:rPr lang="en-US" sz="2400" b="1" kern="100" dirty="0">
+                <a:effectLst/>
+                <a:latin typeface="Aptos" panose="020B0004020202020204" pitchFamily="34" charset="0"/>
+                <a:ea typeface="Aptos" panose="020B0004020202020204" pitchFamily="34" charset="0"/>
+                <a:cs typeface="Times New Roman" panose="02020603050405020304" pitchFamily="18" charset="0"/>
+              </a:rPr>
+              <a:t>Benchmark:</a:t>
+            </a:r>
+            <a:r>
+              <a:rPr lang="en-US" sz="2400" kern="100" dirty="0">
+                <a:effectLst/>
+                <a:latin typeface="Aptos" panose="020B0004020202020204" pitchFamily="34" charset="0"/>
+                <a:ea typeface="Aptos" panose="020B0004020202020204" pitchFamily="34" charset="0"/>
+                <a:cs typeface="Times New Roman" panose="02020603050405020304" pitchFamily="18" charset="0"/>
+              </a:rPr>
+              <a:t> S&amp;P 500</a:t>
+            </a:r>
+          </a:p>
+          <a:p>
+            <a:pPr marL="342900" lvl="0" indent="-342900">
+              <a:lnSpc>
+                <a:spcPct val="115000"/>
+              </a:lnSpc>
+              <a:spcAft>
+                <a:spcPts val="800"/>
+              </a:spcAft>
+              <a:buSzPts val="1000"/>
+              <a:buFont typeface="Symbol" panose="05050102010706020507" pitchFamily="18" charset="2"/>
+              <a:buChar char=""/>
+              <a:tabLst>
+                <a:tab pos="457200" algn="l"/>
+              </a:tabLst>
+            </a:pPr>
+            <a:r>
+              <a:rPr lang="en-US" sz="2400" b="1" kern="100" dirty="0">
+                <a:effectLst/>
+                <a:latin typeface="Aptos" panose="020B0004020202020204" pitchFamily="34" charset="0"/>
+                <a:ea typeface="Aptos" panose="020B0004020202020204" pitchFamily="34" charset="0"/>
+                <a:cs typeface="Times New Roman" panose="02020603050405020304" pitchFamily="18" charset="0"/>
+              </a:rPr>
+              <a:t>Metrics:</a:t>
+            </a:r>
+            <a:r>
+              <a:rPr lang="en-US" sz="2400" kern="100" dirty="0">
+                <a:effectLst/>
+                <a:latin typeface="Aptos" panose="020B0004020202020204" pitchFamily="34" charset="0"/>
+                <a:ea typeface="Aptos" panose="020B0004020202020204" pitchFamily="34" charset="0"/>
+                <a:cs typeface="Times New Roman" panose="02020603050405020304" pitchFamily="18" charset="0"/>
+              </a:rPr>
+              <a:t> Annualized return, Annualized Volatility, Sharpe ratio, Max Drawdown, Var, CVar </a:t>
+            </a:r>
+            <a:endParaRPr lang="fr-FR" sz="2400" kern="100" dirty="0">
+              <a:effectLst/>
+              <a:latin typeface="Aptos" panose="020B0004020202020204" pitchFamily="34" charset="0"/>
+              <a:ea typeface="Aptos" panose="020B0004020202020204" pitchFamily="34" charset="0"/>
+              <a:cs typeface="Times New Roman" panose="02020603050405020304" pitchFamily="18" charset="0"/>
+            </a:endParaRPr>
+          </a:p>
+          <a:p>
+            <a:pPr marL="342900" lvl="0" indent="-342900">
+              <a:lnSpc>
+                <a:spcPct val="115000"/>
+              </a:lnSpc>
+              <a:spcAft>
+                <a:spcPts val="800"/>
+              </a:spcAft>
+              <a:buSzPts val="1000"/>
+              <a:buFont typeface="Symbol" panose="05050102010706020507" pitchFamily="18" charset="2"/>
+              <a:buChar char=""/>
+              <a:tabLst>
+                <a:tab pos="457200" algn="l"/>
+              </a:tabLst>
+            </a:pPr>
+            <a:r>
+              <a:rPr lang="en-US" sz="2400" kern="100" dirty="0">
+                <a:effectLst/>
+                <a:latin typeface="Aptos" panose="020B0004020202020204" pitchFamily="34" charset="0"/>
+                <a:ea typeface="Aptos" panose="020B0004020202020204" pitchFamily="34" charset="0"/>
+                <a:cs typeface="Times New Roman" panose="02020603050405020304" pitchFamily="18" charset="0"/>
+              </a:rPr>
+              <a:t>Stress test during market crises (2008, 2020).</a:t>
+            </a:r>
+            <a:endParaRPr lang="fr-FR" sz="2400" kern="100" dirty="0">
+              <a:effectLst/>
+              <a:latin typeface="Aptos" panose="020B0004020202020204" pitchFamily="34" charset="0"/>
+              <a:ea typeface="Aptos" panose="020B0004020202020204" pitchFamily="34" charset="0"/>
+              <a:cs typeface="Times New Roman" panose="02020603050405020304" pitchFamily="18" charset="0"/>
+            </a:endParaRPr>
+          </a:p>
+          <a:p>
+            <a:endParaRPr lang="fr-FR" dirty="0"/>
+          </a:p>
+        </p:txBody>
+      </p:sp>
+      <p:sp>
+        <p:nvSpPr>
+          <p:cNvPr id="3" name="TextBox 2">
+            <a:extLst>
+              <a:ext uri="{FF2B5EF4-FFF2-40B4-BE49-F238E27FC236}">
+                <a16:creationId xmlns:a16="http://schemas.microsoft.com/office/drawing/2014/main" id="{290B7651-B80D-F291-4A1D-1DD563DE679D}"/>
+              </a:ext>
+            </a:extLst>
+          </p:cNvPr>
+          <p:cNvSpPr txBox="1"/>
+          <p:nvPr/>
+        </p:nvSpPr>
+        <p:spPr>
+          <a:xfrm>
+            <a:off x="3182772" y="365604"/>
+            <a:ext cx="5826455" cy="523220"/>
+          </a:xfrm>
+          <a:prstGeom prst="rect">
+            <a:avLst/>
+          </a:prstGeom>
+          <a:noFill/>
+        </p:spPr>
+        <p:txBody>
+          <a:bodyPr wrap="square" rtlCol="0">
+            <a:spAutoFit/>
+          </a:bodyPr>
+          <a:lstStyle/>
+          <a:p>
             <a:r>
               <a:rPr lang="de-DE" sz="2800" b="1" dirty="0">
                 <a:latin typeface="Aptos" panose="020B0004020202020204" pitchFamily="34" charset="0"/>
               </a:rPr>
-              <a:t>Potential </a:t>
-            </a:r>
-            <a:r>
-              <a:rPr lang="de-DE" sz="2800" b="1" dirty="0" err="1">
-                <a:latin typeface="Aptos" panose="020B0004020202020204" pitchFamily="34" charset="0"/>
-              </a:rPr>
-              <a:t>Risks</a:t>
+              <a:t>BACKTESTING &amp; PERFORMANCE</a:t>
             </a:r>
             <a:endParaRPr lang="fr-FR" sz="2800" b="1" dirty="0">
               <a:latin typeface="Aptos" panose="020B0004020202020204" pitchFamily="34" charset="0"/>
@@ -14272,7 +15569,7 @@
     </p:spTree>
     <p:extLst>
       <p:ext uri="{BB962C8B-B14F-4D97-AF65-F5344CB8AC3E}">
-        <p14:creationId xmlns:p14="http://schemas.microsoft.com/office/powerpoint/2010/main" val="91877853"/>
+        <p14:creationId xmlns:p14="http://schemas.microsoft.com/office/powerpoint/2010/main" val="1986389791"/>
       </p:ext>
     </p:extLst>
   </p:cSld>
@@ -14291,6 +15588,130 @@
       </p:transition>
     </mc:Fallback>
   </mc:AlternateContent>
+  <p:timing>
+    <p:tnLst>
+      <p:par>
+        <p:cTn id="1" dur="indefinite" restart="never" nodeType="tmRoot">
+          <p:childTnLst>
+            <p:seq concurrent="1" nextAc="seek">
+              <p:cTn id="2" dur="indefinite" nodeType="mainSeq">
+                <p:childTnLst>
+                  <p:par>
+                    <p:cTn id="3" fill="hold">
+                      <p:stCondLst>
+                        <p:cond delay="indefinite"/>
+                      </p:stCondLst>
+                      <p:childTnLst>
+                        <p:par>
+                          <p:cTn id="4" fill="hold">
+                            <p:stCondLst>
+                              <p:cond delay="0"/>
+                            </p:stCondLst>
+                            <p:childTnLst>
+                              <p:par>
+                                <p:cTn id="5" presetID="2" presetClass="entr" presetSubtype="8" fill="hold" grpId="0" nodeType="clickEffect">
+                                  <p:stCondLst>
+                                    <p:cond delay="0"/>
+                                  </p:stCondLst>
+                                  <p:childTnLst>
+                                    <p:set>
+                                      <p:cBhvr>
+                                        <p:cTn id="6" dur="1" fill="hold">
+                                          <p:stCondLst>
+                                            <p:cond delay="0"/>
+                                          </p:stCondLst>
+                                        </p:cTn>
+                                        <p:tgtEl>
+                                          <p:spTgt spid="2"/>
+                                        </p:tgtEl>
+                                        <p:attrNameLst>
+                                          <p:attrName>style.visibility</p:attrName>
+                                        </p:attrNameLst>
+                                      </p:cBhvr>
+                                      <p:to>
+                                        <p:strVal val="visible"/>
+                                      </p:to>
+                                    </p:set>
+                                    <p:anim calcmode="lin" valueType="num">
+                                      <p:cBhvr additive="base">
+                                        <p:cTn id="7" dur="1000" fill="hold"/>
+                                        <p:tgtEl>
+                                          <p:spTgt spid="2"/>
+                                        </p:tgtEl>
+                                        <p:attrNameLst>
+                                          <p:attrName>ppt_x</p:attrName>
+                                        </p:attrNameLst>
+                                      </p:cBhvr>
+                                      <p:tavLst>
+                                        <p:tav tm="0">
+                                          <p:val>
+                                            <p:strVal val="0-#ppt_w/2"/>
+                                          </p:val>
+                                        </p:tav>
+                                        <p:tav tm="100000">
+                                          <p:val>
+                                            <p:strVal val="#ppt_x"/>
+                                          </p:val>
+                                        </p:tav>
+                                      </p:tavLst>
+                                    </p:anim>
+                                    <p:anim calcmode="lin" valueType="num">
+                                      <p:cBhvr additive="base">
+                                        <p:cTn id="8" dur="1000" fill="hold"/>
+                                        <p:tgtEl>
+                                          <p:spTgt spid="2"/>
+                                        </p:tgtEl>
+                                        <p:attrNameLst>
+                                          <p:attrName>ppt_y</p:attrName>
+                                        </p:attrNameLst>
+                                      </p:cBhvr>
+                                      <p:tavLst>
+                                        <p:tav tm="0">
+                                          <p:val>
+                                            <p:strVal val="#ppt_y"/>
+                                          </p:val>
+                                        </p:tav>
+                                        <p:tav tm="100000">
+                                          <p:val>
+                                            <p:strVal val="#ppt_y"/>
+                                          </p:val>
+                                        </p:tav>
+                                      </p:tavLst>
+                                    </p:anim>
+                                  </p:childTnLst>
+                                </p:cTn>
+                              </p:par>
+                            </p:childTnLst>
+                          </p:cTn>
+                        </p:par>
+                      </p:childTnLst>
+                    </p:cTn>
+                  </p:par>
+                </p:childTnLst>
+              </p:cTn>
+              <p:prevCondLst>
+                <p:cond evt="onPrev" delay="0">
+                  <p:tgtEl>
+                    <p:sldTgt/>
+                  </p:tgtEl>
+                </p:cond>
+              </p:prevCondLst>
+              <p:nextCondLst>
+                <p:cond evt="onNext" delay="0">
+                  <p:tgtEl>
+                    <p:sldTgt/>
+                  </p:tgtEl>
+                </p:cond>
+              </p:nextCondLst>
+            </p:seq>
+          </p:childTnLst>
+        </p:cTn>
+      </p:par>
+    </p:tnLst>
+    <p:bldLst>
+      <p:bldP spid="2" grpId="0"/>
+    </p:bldLst>
+  </p:timing>
 </p:sld>
 </file>
 
